--- a/report/Story-Graph-Presentation.pptx
+++ b/report/Story-Graph-Presentation.pptx
@@ -5,7 +5,7 @@
     <p:sldMasterId id="2147483684" r:id="rId1"/>
   </p:sldMasterIdLst>
   <p:notesMasterIdLst>
-    <p:notesMasterId r:id="rId37"/>
+    <p:notesMasterId r:id="rId39"/>
   </p:notesMasterIdLst>
   <p:sldIdLst>
     <p:sldId id="256" r:id="rId2"/>
@@ -31,18 +31,20 @@
     <p:sldId id="278" r:id="rId22"/>
     <p:sldId id="295" r:id="rId23"/>
     <p:sldId id="280" r:id="rId24"/>
-    <p:sldId id="281" r:id="rId25"/>
-    <p:sldId id="282" r:id="rId26"/>
-    <p:sldId id="279" r:id="rId27"/>
-    <p:sldId id="283" r:id="rId28"/>
-    <p:sldId id="289" r:id="rId29"/>
-    <p:sldId id="290" r:id="rId30"/>
-    <p:sldId id="294" r:id="rId31"/>
-    <p:sldId id="291" r:id="rId32"/>
-    <p:sldId id="292" r:id="rId33"/>
-    <p:sldId id="265" r:id="rId34"/>
-    <p:sldId id="263" r:id="rId35"/>
-    <p:sldId id="264" r:id="rId36"/>
+    <p:sldId id="279" r:id="rId25"/>
+    <p:sldId id="283" r:id="rId26"/>
+    <p:sldId id="289" r:id="rId27"/>
+    <p:sldId id="290" r:id="rId28"/>
+    <p:sldId id="294" r:id="rId29"/>
+    <p:sldId id="291" r:id="rId30"/>
+    <p:sldId id="298" r:id="rId31"/>
+    <p:sldId id="292" r:id="rId32"/>
+    <p:sldId id="299" r:id="rId33"/>
+    <p:sldId id="300" r:id="rId34"/>
+    <p:sldId id="301" r:id="rId35"/>
+    <p:sldId id="265" r:id="rId36"/>
+    <p:sldId id="263" r:id="rId37"/>
+    <p:sldId id="264" r:id="rId38"/>
   </p:sldIdLst>
   <p:sldSz cx="9144000" cy="6858000" type="screen4x3"/>
   <p:notesSz cx="6858000" cy="9144000"/>
@@ -3374,7 +3376,7 @@
           <a:p>
             <a:fld id="{5CC0D5FD-417E-D444-B77B-B5E907A8E993}" type="datetimeFigureOut">
               <a:rPr lang="en-US" smtClean="0"/>
-              <a:t>11/2/12</a:t>
+              <a:t>11/11/12</a:t>
             </a:fld>
             <a:endParaRPr lang="en-US"/>
           </a:p>
@@ -3797,12 +3799,16 @@
           <a:lstStyle/>
           <a:p>
             <a:r>
-              <a:rPr lang="en-US" dirty="0" smtClean="0"/>
-              <a:t>TODO: assumption that topics</a:t>
+              <a:rPr lang="en-US" dirty="0" err="1" smtClean="0"/>
+              <a:t>point</a:t>
+            </a:r>
+            <a:r>
+              <a:rPr lang="en-US" baseline="0" dirty="0" err="1" smtClean="0"/>
+              <a:t>wise</a:t>
             </a:r>
             <a:r>
               <a:rPr lang="en-US" baseline="0" dirty="0" smtClean="0"/>
-              <a:t> are independent day-day, not necessarily true</a:t>
+              <a:t> multiplication</a:t>
             </a:r>
             <a:endParaRPr lang="en-US" dirty="0"/>
           </a:p>
@@ -3825,7 +3831,7 @@
           <a:p>
             <a:fld id="{8F8183EF-AC11-EA4D-8CD2-B93463889FF1}" type="slidenum">
               <a:rPr lang="en-US" smtClean="0"/>
-              <a:t>20</a:t>
+              <a:t>19</a:t>
             </a:fld>
             <a:endParaRPr lang="en-US"/>
           </a:p>
@@ -3834,7 +3840,7 @@
     </p:spTree>
     <p:extLst>
       <p:ext uri="{BB962C8B-B14F-4D97-AF65-F5344CB8AC3E}">
-        <p14:creationId xmlns:p14="http://schemas.microsoft.com/office/powerpoint/2010/main" val="782139740"/>
+        <p14:creationId xmlns:p14="http://schemas.microsoft.com/office/powerpoint/2010/main" val="1487428529"/>
       </p:ext>
     </p:extLst>
   </p:cSld>
@@ -3890,11 +3896,11 @@
           <a:p>
             <a:r>
               <a:rPr lang="en-US" dirty="0" smtClean="0"/>
-              <a:t>TODO:</a:t>
+              <a:t>TODO: assumption that topics</a:t>
             </a:r>
             <a:r>
               <a:rPr lang="en-US" baseline="0" dirty="0" smtClean="0"/>
-              <a:t> take away</a:t>
+              <a:t> are independent day-day, not necessarily true</a:t>
             </a:r>
             <a:endParaRPr lang="en-US" dirty="0"/>
           </a:p>
@@ -3917,7 +3923,7 @@
           <a:p>
             <a:fld id="{8F8183EF-AC11-EA4D-8CD2-B93463889FF1}" type="slidenum">
               <a:rPr lang="en-US" smtClean="0"/>
-              <a:t>23</a:t>
+              <a:t>20</a:t>
             </a:fld>
             <a:endParaRPr lang="en-US"/>
           </a:p>
@@ -3926,7 +3932,7 @@
     </p:spTree>
     <p:extLst>
       <p:ext uri="{BB962C8B-B14F-4D97-AF65-F5344CB8AC3E}">
-        <p14:creationId xmlns:p14="http://schemas.microsoft.com/office/powerpoint/2010/main" val="2521195636"/>
+        <p14:creationId xmlns:p14="http://schemas.microsoft.com/office/powerpoint/2010/main" val="782139740"/>
       </p:ext>
     </p:extLst>
   </p:cSld>
@@ -3982,7 +3988,15 @@
           <a:p>
             <a:r>
               <a:rPr lang="en-US" dirty="0" smtClean="0"/>
-              <a:t>TODO: possibly remove</a:t>
+              <a:t>TODO:</a:t>
+            </a:r>
+            <a:r>
+              <a:rPr lang="en-US" baseline="0" dirty="0" smtClean="0"/>
+              <a:t> take </a:t>
+            </a:r>
+            <a:r>
+              <a:rPr lang="en-US" baseline="0" dirty="0" smtClean="0"/>
+              <a:t>away is most topic weights don’t contribute much</a:t>
             </a:r>
             <a:endParaRPr lang="en-US" dirty="0"/>
           </a:p>
@@ -4005,7 +4019,7 @@
           <a:p>
             <a:fld id="{8F8183EF-AC11-EA4D-8CD2-B93463889FF1}" type="slidenum">
               <a:rPr lang="en-US" smtClean="0"/>
-              <a:t>24</a:t>
+              <a:t>23</a:t>
             </a:fld>
             <a:endParaRPr lang="en-US"/>
           </a:p>
@@ -4014,7 +4028,7 @@
     </p:spTree>
     <p:extLst>
       <p:ext uri="{BB962C8B-B14F-4D97-AF65-F5344CB8AC3E}">
-        <p14:creationId xmlns:p14="http://schemas.microsoft.com/office/powerpoint/2010/main" val="3616702966"/>
+        <p14:creationId xmlns:p14="http://schemas.microsoft.com/office/powerpoint/2010/main" val="2521195636"/>
       </p:ext>
     </p:extLst>
   </p:cSld>
@@ -4070,7 +4084,11 @@
           <a:p>
             <a:r>
               <a:rPr lang="en-US" dirty="0" smtClean="0"/>
-              <a:t>Experimental setting</a:t>
+              <a:t>TODO:</a:t>
+            </a:r>
+            <a:r>
+              <a:rPr lang="en-US" baseline="0" dirty="0" smtClean="0"/>
+              <a:t> graph is over 2 weeks starting 2012-08-25.  1,2 are similar, as are 3,4.  Believable.</a:t>
             </a:r>
             <a:endParaRPr lang="en-US" dirty="0"/>
           </a:p>
@@ -4093,7 +4111,7 @@
           <a:p>
             <a:fld id="{8F8183EF-AC11-EA4D-8CD2-B93463889FF1}" type="slidenum">
               <a:rPr lang="en-US" smtClean="0"/>
-              <a:t>25</a:t>
+              <a:t>31</a:t>
             </a:fld>
             <a:endParaRPr lang="en-US"/>
           </a:p>
@@ -4102,7 +4120,99 @@
     </p:spTree>
     <p:extLst>
       <p:ext uri="{BB962C8B-B14F-4D97-AF65-F5344CB8AC3E}">
-        <p14:creationId xmlns:p14="http://schemas.microsoft.com/office/powerpoint/2010/main" val="305766264"/>
+        <p14:creationId xmlns:p14="http://schemas.microsoft.com/office/powerpoint/2010/main" val="1889565524"/>
+      </p:ext>
+    </p:extLst>
+  </p:cSld>
+  <p:clrMapOvr>
+    <a:masterClrMapping/>
+  </p:clrMapOvr>
+</p:notes>
+</file>
+
+<file path=ppt/notesSlides/notesSlide14.xml><?xml version="1.0" encoding="utf-8"?>
+<p:notes xmlns:a="http://schemas.openxmlformats.org/drawingml/2006/main" xmlns:r="http://schemas.openxmlformats.org/officeDocument/2006/relationships" xmlns:p="http://schemas.openxmlformats.org/presentationml/2006/main">
+  <p:cSld>
+    <p:spTree>
+      <p:nvGrpSpPr>
+        <p:cNvPr id="1" name=""/>
+        <p:cNvGrpSpPr/>
+        <p:nvPr/>
+      </p:nvGrpSpPr>
+      <p:grpSpPr>
+        <a:xfrm>
+          <a:off x="0" y="0"/>
+          <a:ext cx="0" cy="0"/>
+          <a:chOff x="0" y="0"/>
+          <a:chExt cx="0" cy="0"/>
+        </a:xfrm>
+      </p:grpSpPr>
+      <p:sp>
+        <p:nvSpPr>
+          <p:cNvPr id="2" name="Slide Image Placeholder 1"/>
+          <p:cNvSpPr>
+            <a:spLocks noGrp="1" noRot="1" noChangeAspect="1"/>
+          </p:cNvSpPr>
+          <p:nvPr>
+            <p:ph type="sldImg"/>
+          </p:nvPr>
+        </p:nvSpPr>
+        <p:spPr/>
+      </p:sp>
+      <p:sp>
+        <p:nvSpPr>
+          <p:cNvPr id="3" name="Notes Placeholder 2"/>
+          <p:cNvSpPr>
+            <a:spLocks noGrp="1"/>
+          </p:cNvSpPr>
+          <p:nvPr>
+            <p:ph type="body" idx="1"/>
+          </p:nvPr>
+        </p:nvSpPr>
+        <p:spPr/>
+        <p:txBody>
+          <a:bodyPr/>
+          <a:lstStyle/>
+          <a:p>
+            <a:r>
+              <a:rPr lang="en-US" dirty="0" smtClean="0"/>
+              <a:t>TODO: legend might</a:t>
+            </a:r>
+            <a:r>
+              <a:rPr lang="en-US" baseline="0" dirty="0" smtClean="0"/>
+              <a:t> not be clear items map to methods 1-4</a:t>
+            </a:r>
+            <a:endParaRPr lang="en-US" dirty="0"/>
+          </a:p>
+        </p:txBody>
+      </p:sp>
+      <p:sp>
+        <p:nvSpPr>
+          <p:cNvPr id="4" name="Slide Number Placeholder 3"/>
+          <p:cNvSpPr>
+            <a:spLocks noGrp="1"/>
+          </p:cNvSpPr>
+          <p:nvPr>
+            <p:ph type="sldNum" sz="quarter" idx="10"/>
+          </p:nvPr>
+        </p:nvSpPr>
+        <p:spPr/>
+        <p:txBody>
+          <a:bodyPr/>
+          <a:lstStyle/>
+          <a:p>
+            <a:fld id="{8F8183EF-AC11-EA4D-8CD2-B93463889FF1}" type="slidenum">
+              <a:rPr lang="en-US" smtClean="0"/>
+              <a:t>32</a:t>
+            </a:fld>
+            <a:endParaRPr lang="en-US"/>
+          </a:p>
+        </p:txBody>
+      </p:sp>
+    </p:spTree>
+    <p:extLst>
+      <p:ext uri="{BB962C8B-B14F-4D97-AF65-F5344CB8AC3E}">
+        <p14:creationId xmlns:p14="http://schemas.microsoft.com/office/powerpoint/2010/main" val="2257608931"/>
       </p:ext>
     </p:extLst>
   </p:cSld>
@@ -4166,7 +4276,15 @@
             </a:r>
             <a:r>
               <a:rPr lang="en-US" dirty="0" smtClean="0"/>
-              <a:t>, debates economy”</a:t>
+              <a:t>, </a:t>
+            </a:r>
+            <a:r>
+              <a:rPr lang="en-US" dirty="0" smtClean="0"/>
+              <a:t>debates, </a:t>
+            </a:r>
+            <a:r>
+              <a:rPr lang="en-US" dirty="0" smtClean="0"/>
+              <a:t>economy”</a:t>
             </a:r>
             <a:endParaRPr lang="en-US" dirty="0"/>
           </a:p>
@@ -4736,42 +4854,6 @@
           <a:bodyPr/>
           <a:lstStyle/>
           <a:p>
-            <a:r>
-              <a:rPr lang="en-US" dirty="0" smtClean="0"/>
-              <a:t>Prod</a:t>
-            </a:r>
-            <a:r>
-              <a:rPr lang="en-US" baseline="0" dirty="0" smtClean="0"/>
-              <a:t> </a:t>
-            </a:r>
-            <a:r>
-              <a:rPr lang="en-US" dirty="0" smtClean="0"/>
-              <a:t>P(</a:t>
-            </a:r>
-            <a:r>
-              <a:rPr lang="en-US" dirty="0" err="1" smtClean="0"/>
-              <a:t>w|T</a:t>
-            </a:r>
-            <a:r>
-              <a:rPr lang="en-US" dirty="0" smtClean="0"/>
-              <a:t>)P(</a:t>
-            </a:r>
-            <a:r>
-              <a:rPr lang="en-US" dirty="0" err="1" smtClean="0"/>
-              <a:t>w|T</a:t>
-            </a:r>
-            <a:r>
-              <a:rPr lang="en-US" dirty="0" smtClean="0"/>
-              <a:t>’) = P(T and T’).</a:t>
-            </a:r>
-            <a:r>
-              <a:rPr lang="en-US" baseline="0" dirty="0" smtClean="0"/>
-              <a:t>  </a:t>
-            </a:r>
-            <a:r>
-              <a:rPr lang="en-US" dirty="0" smtClean="0"/>
-              <a:t>Assuming T, T’ independent.  Possibly not true</a:t>
-            </a:r>
             <a:endParaRPr lang="en-US" dirty="0"/>
           </a:p>
         </p:txBody>
@@ -4793,7 +4875,7 @@
           <a:p>
             <a:fld id="{8F8183EF-AC11-EA4D-8CD2-B93463889FF1}" type="slidenum">
               <a:rPr lang="en-US" smtClean="0"/>
-              <a:t>17</a:t>
+              <a:t>16</a:t>
             </a:fld>
             <a:endParaRPr lang="en-US"/>
           </a:p>
@@ -4802,7 +4884,7 @@
     </p:spTree>
     <p:extLst>
       <p:ext uri="{BB962C8B-B14F-4D97-AF65-F5344CB8AC3E}">
-        <p14:creationId xmlns:p14="http://schemas.microsoft.com/office/powerpoint/2010/main" val="3002808608"/>
+        <p14:creationId xmlns:p14="http://schemas.microsoft.com/office/powerpoint/2010/main" val="1845027813"/>
       </p:ext>
     </p:extLst>
   </p:cSld>
@@ -4857,16 +4939,40 @@
           <a:lstStyle/>
           <a:p>
             <a:r>
+              <a:rPr lang="en-US" dirty="0" smtClean="0"/>
+              <a:t>Prod</a:t>
+            </a:r>
+            <a:r>
+              <a:rPr lang="en-US" baseline="0" dirty="0" smtClean="0"/>
+              <a:t> </a:t>
+            </a:r>
+            <a:r>
+              <a:rPr lang="en-US" dirty="0" smtClean="0"/>
+              <a:t>P(</a:t>
+            </a:r>
+            <a:r>
               <a:rPr lang="en-US" dirty="0" err="1" smtClean="0"/>
-              <a:t>point</a:t>
-            </a:r>
-            <a:r>
-              <a:rPr lang="en-US" baseline="0" dirty="0" err="1" smtClean="0"/>
-              <a:t>wise</a:t>
+              <a:t>w|T</a:t>
+            </a:r>
+            <a:r>
+              <a:rPr lang="en-US" dirty="0" smtClean="0"/>
+              <a:t>)P(</a:t>
+            </a:r>
+            <a:r>
+              <a:rPr lang="en-US" dirty="0" err="1" smtClean="0"/>
+              <a:t>w|T</a:t>
+            </a:r>
+            <a:r>
+              <a:rPr lang="en-US" dirty="0" smtClean="0"/>
+              <a:t>’) = P(T and T’).</a:t>
             </a:r>
             <a:r>
               <a:rPr lang="en-US" baseline="0" dirty="0" smtClean="0"/>
-              <a:t> multiplication</a:t>
+              <a:t>  </a:t>
+            </a:r>
+            <a:r>
+              <a:rPr lang="en-US" dirty="0" smtClean="0"/>
+              <a:t>Assuming T, T’ independent.  Possibly not true</a:t>
             </a:r>
             <a:endParaRPr lang="en-US" dirty="0"/>
           </a:p>
@@ -4889,7 +4995,7 @@
           <a:p>
             <a:fld id="{8F8183EF-AC11-EA4D-8CD2-B93463889FF1}" type="slidenum">
               <a:rPr lang="en-US" smtClean="0"/>
-              <a:t>19</a:t>
+              <a:t>17</a:t>
             </a:fld>
             <a:endParaRPr lang="en-US"/>
           </a:p>
@@ -4898,7 +5004,7 @@
     </p:spTree>
     <p:extLst>
       <p:ext uri="{BB962C8B-B14F-4D97-AF65-F5344CB8AC3E}">
-        <p14:creationId xmlns:p14="http://schemas.microsoft.com/office/powerpoint/2010/main" val="1487428529"/>
+        <p14:creationId xmlns:p14="http://schemas.microsoft.com/office/powerpoint/2010/main" val="3002808608"/>
       </p:ext>
     </p:extLst>
   </p:cSld>
@@ -5094,7 +5200,7 @@
           <a:p>
             <a:fld id="{10219650-1D8B-FA43-8B15-A6344C9DAACD}" type="datetimeFigureOut">
               <a:rPr lang="en-US" smtClean="0"/>
-              <a:t>11/2/12</a:t>
+              <a:t>11/11/12</a:t>
             </a:fld>
             <a:endParaRPr lang="en-US" dirty="0"/>
           </a:p>
@@ -5451,7 +5557,7 @@
           <a:p>
             <a:fld id="{10219650-1D8B-FA43-8B15-A6344C9DAACD}" type="datetimeFigureOut">
               <a:rPr lang="en-US" smtClean="0"/>
-              <a:t>11/2/12</a:t>
+              <a:t>11/11/12</a:t>
             </a:fld>
             <a:endParaRPr lang="en-US" dirty="0"/>
           </a:p>
@@ -5620,7 +5726,7 @@
           <a:p>
             <a:fld id="{10219650-1D8B-FA43-8B15-A6344C9DAACD}" type="datetimeFigureOut">
               <a:rPr lang="en-US" smtClean="0"/>
-              <a:t>11/2/12</a:t>
+              <a:t>11/11/12</a:t>
             </a:fld>
             <a:endParaRPr lang="en-US" dirty="0"/>
           </a:p>
@@ -5799,7 +5905,7 @@
           <a:p>
             <a:fld id="{10219650-1D8B-FA43-8B15-A6344C9DAACD}" type="datetimeFigureOut">
               <a:rPr lang="en-US" smtClean="0"/>
-              <a:t>11/2/12</a:t>
+              <a:t>11/11/12</a:t>
             </a:fld>
             <a:endParaRPr lang="en-US" dirty="0"/>
           </a:p>
@@ -5968,7 +6074,7 @@
           <a:p>
             <a:fld id="{10219650-1D8B-FA43-8B15-A6344C9DAACD}" type="datetimeFigureOut">
               <a:rPr lang="en-US" smtClean="0"/>
-              <a:t>11/2/12</a:t>
+              <a:t>11/11/12</a:t>
             </a:fld>
             <a:endParaRPr lang="en-US" dirty="0"/>
           </a:p>
@@ -6245,7 +6351,7 @@
           <a:p>
             <a:fld id="{10219650-1D8B-FA43-8B15-A6344C9DAACD}" type="datetimeFigureOut">
               <a:rPr lang="en-US" smtClean="0"/>
-              <a:t>11/2/12</a:t>
+              <a:t>11/11/12</a:t>
             </a:fld>
             <a:endParaRPr lang="en-US" dirty="0"/>
           </a:p>
@@ -6537,7 +6643,7 @@
           <a:p>
             <a:fld id="{10219650-1D8B-FA43-8B15-A6344C9DAACD}" type="datetimeFigureOut">
               <a:rPr lang="en-US" smtClean="0"/>
-              <a:t>11/2/12</a:t>
+              <a:t>11/11/12</a:t>
             </a:fld>
             <a:endParaRPr lang="en-US" dirty="0"/>
           </a:p>
@@ -6973,7 +7079,7 @@
           <a:p>
             <a:fld id="{10219650-1D8B-FA43-8B15-A6344C9DAACD}" type="datetimeFigureOut">
               <a:rPr lang="en-US" smtClean="0"/>
-              <a:t>11/2/12</a:t>
+              <a:t>11/11/12</a:t>
             </a:fld>
             <a:endParaRPr lang="en-US" dirty="0"/>
           </a:p>
@@ -7086,7 +7192,7 @@
           <a:p>
             <a:fld id="{10219650-1D8B-FA43-8B15-A6344C9DAACD}" type="datetimeFigureOut">
               <a:rPr lang="en-US" smtClean="0"/>
-              <a:t>11/2/12</a:t>
+              <a:t>11/11/12</a:t>
             </a:fld>
             <a:endParaRPr lang="en-US" dirty="0"/>
           </a:p>
@@ -7176,7 +7282,7 @@
           <a:p>
             <a:fld id="{10219650-1D8B-FA43-8B15-A6344C9DAACD}" type="datetimeFigureOut">
               <a:rPr lang="en-US" smtClean="0"/>
-              <a:t>11/2/12</a:t>
+              <a:t>11/11/12</a:t>
             </a:fld>
             <a:endParaRPr lang="en-US" dirty="0"/>
           </a:p>
@@ -7513,7 +7619,7 @@
           <a:p>
             <a:fld id="{10219650-1D8B-FA43-8B15-A6344C9DAACD}" type="datetimeFigureOut">
               <a:rPr lang="en-US" smtClean="0"/>
-              <a:t>11/2/12</a:t>
+              <a:t>11/11/12</a:t>
             </a:fld>
             <a:endParaRPr lang="en-US" dirty="0"/>
           </a:p>
@@ -7828,7 +7934,7 @@
           <a:p>
             <a:fld id="{10219650-1D8B-FA43-8B15-A6344C9DAACD}" type="datetimeFigureOut">
               <a:rPr lang="en-US" smtClean="0"/>
-              <a:t>11/2/12</a:t>
+              <a:t>11/11/12</a:t>
             </a:fld>
             <a:endParaRPr lang="en-US" dirty="0"/>
           </a:p>
@@ -8074,7 +8180,7 @@
           <a:p>
             <a:fld id="{10219650-1D8B-FA43-8B15-A6344C9DAACD}" type="datetimeFigureOut">
               <a:rPr lang="en-US" smtClean="0"/>
-              <a:t>11/2/12</a:t>
+              <a:t>11/11/12</a:t>
             </a:fld>
             <a:endParaRPr lang="en-US" dirty="0"/>
           </a:p>
@@ -8693,7 +8799,11 @@
             </a:r>
             <a:r>
               <a:rPr lang="en-US" dirty="0" smtClean="0"/>
-              <a:t>): O (W D</a:t>
+              <a:t>): O (W </a:t>
+            </a:r>
+            <a:r>
+              <a:rPr lang="en-US" dirty="0" smtClean="0"/>
+              <a:t>|D|</a:t>
             </a:r>
             <a:r>
               <a:rPr lang="en-US" baseline="30000" dirty="0" smtClean="0"/>
@@ -8708,7 +8818,11 @@
             <a:pPr lvl="2"/>
             <a:r>
               <a:rPr lang="en-US" dirty="0" smtClean="0"/>
-              <a:t>D = Documents / day </a:t>
+              <a:t>|D| </a:t>
+            </a:r>
+            <a:r>
+              <a:rPr lang="en-US" dirty="0" smtClean="0"/>
+              <a:t>= Documents / day </a:t>
             </a:r>
           </a:p>
           <a:p>
@@ -8830,7 +8944,9 @@
         </p:nvSpPr>
         <p:spPr/>
         <p:txBody>
-          <a:bodyPr/>
+          <a:bodyPr>
+            <a:normAutofit lnSpcReduction="10000"/>
+          </a:bodyPr>
           <a:lstStyle/>
           <a:p>
             <a:r>
@@ -8847,8 +8963,23 @@
           <a:p>
             <a:r>
               <a:rPr lang="en-US" dirty="0" smtClean="0"/>
-              <a:t>Distributions – N documents, K topics:</a:t>
-            </a:r>
+              <a:t>Input: </a:t>
+            </a:r>
+            <a:r>
+              <a:rPr lang="en-US" dirty="0" smtClean="0"/>
+              <a:t>N documents, K topics</a:t>
+            </a:r>
+            <a:r>
+              <a:rPr lang="en-US" dirty="0" smtClean="0"/>
+              <a:t>:</a:t>
+            </a:r>
+          </a:p>
+          <a:p>
+            <a:r>
+              <a:rPr lang="en-US" dirty="0" smtClean="0"/>
+              <a:t>Output: 2 Distributions</a:t>
+            </a:r>
+            <a:endParaRPr lang="en-US" dirty="0" smtClean="0"/>
           </a:p>
           <a:p>
             <a:pPr lvl="1"/>
@@ -8885,7 +9016,11 @@
           <a:p>
             <a:r>
               <a:rPr lang="en-US" dirty="0" smtClean="0"/>
-              <a:t>Use Mallet library</a:t>
+              <a:t>Using </a:t>
+            </a:r>
+            <a:r>
+              <a:rPr lang="en-US" dirty="0" smtClean="0"/>
+              <a:t>Mallet library</a:t>
             </a:r>
             <a:endParaRPr lang="en-US" dirty="0"/>
           </a:p>
@@ -9149,7 +9284,9 @@
         </p:nvSpPr>
         <p:spPr/>
         <p:txBody>
-          <a:bodyPr/>
+          <a:bodyPr>
+            <a:normAutofit lnSpcReduction="10000"/>
+          </a:bodyPr>
           <a:lstStyle/>
           <a:p>
             <a:r>
@@ -9166,7 +9303,11 @@
           <a:p>
             <a:r>
               <a:rPr lang="en-US" dirty="0" smtClean="0"/>
-              <a:t> Compute edge weight by document-topic weights</a:t>
+              <a:t>Compute </a:t>
+            </a:r>
+            <a:r>
+              <a:rPr lang="en-US" dirty="0" smtClean="0"/>
+              <a:t>edge weight by document-topic weights</a:t>
             </a:r>
           </a:p>
           <a:p>
@@ -9175,7 +9316,11 @@
             </a:pPr>
             <a:r>
               <a:rPr lang="en-US" sz="2800" dirty="0" smtClean="0"/>
-              <a:t>e = P (T | D) P (T’ | D) [ X ]</a:t>
+              <a:t>e = P (T | D) P (T’ | D) [ X </a:t>
+            </a:r>
+            <a:r>
+              <a:rPr lang="en-US" sz="2800" dirty="0" smtClean="0"/>
+              <a:t>]</a:t>
             </a:r>
           </a:p>
           <a:p>
@@ -9187,8 +9332,28 @@
           <a:p>
             <a:pPr lvl="1"/>
             <a:r>
-              <a:rPr lang="en-US" dirty="0" smtClean="0"/>
-              <a:t>High when D ≈ D’ or </a:t>
+              <a:rPr lang="en-US" sz="2400" dirty="0" smtClean="0"/>
+              <a:t>X </a:t>
+            </a:r>
+            <a:r>
+              <a:rPr lang="en-US" sz="2400" dirty="0"/>
+              <a:t>= f(D, T, D’, T’</a:t>
+            </a:r>
+            <a:r>
+              <a:rPr lang="en-US" sz="2400" dirty="0" smtClean="0"/>
+              <a:t>)</a:t>
+            </a:r>
+            <a:endParaRPr lang="en-US" dirty="0" smtClean="0"/>
+          </a:p>
+          <a:p>
+            <a:pPr lvl="1"/>
+            <a:r>
+              <a:rPr lang="en-US" dirty="0" smtClean="0"/>
+              <a:t>High </a:t>
+            </a:r>
+            <a:r>
+              <a:rPr lang="en-US" dirty="0" smtClean="0"/>
+              <a:t>when D ≈ D’ or </a:t>
             </a:r>
             <a:r>
               <a:rPr lang="en-US" dirty="0"/>
@@ -9196,8 +9361,20 @@
             </a:r>
             <a:r>
               <a:rPr lang="en-US" dirty="0" smtClean="0"/>
-              <a:t>≈ T’</a:t>
-            </a:r>
+              <a:t>≈ T</a:t>
+            </a:r>
+            <a:r>
+              <a:rPr lang="en-US" dirty="0" smtClean="0"/>
+              <a:t>’, or both?</a:t>
+            </a:r>
+          </a:p>
+          <a:p>
+            <a:pPr lvl="1"/>
+            <a:r>
+              <a:rPr lang="en-US" dirty="0" smtClean="0"/>
+              <a:t>X in [0,1]</a:t>
+            </a:r>
+            <a:endParaRPr lang="en-US" dirty="0" smtClean="0"/>
           </a:p>
         </p:txBody>
       </p:sp>
@@ -9775,7 +9952,11 @@
             <a:pPr lvl="1"/>
             <a:r>
               <a:rPr lang="en-US" dirty="0" smtClean="0"/>
-              <a:t>Can pre-compute – O(W T</a:t>
+              <a:t>Can pre-compute – O(W </a:t>
+            </a:r>
+            <a:r>
+              <a:rPr lang="en-US" dirty="0" smtClean="0"/>
+              <a:t>|T|</a:t>
             </a:r>
             <a:r>
               <a:rPr lang="en-US" baseline="30000" dirty="0" smtClean="0"/>
@@ -10095,7 +10276,11 @@
             <a:pPr lvl="1"/>
             <a:r>
               <a:rPr lang="en-US" dirty="0" smtClean="0"/>
-              <a:t>Can pre-compute – O(W D</a:t>
+              <a:t>Can pre-compute – O(W </a:t>
+            </a:r>
+            <a:r>
+              <a:rPr lang="en-US" dirty="0" smtClean="0"/>
+              <a:t>|D|</a:t>
             </a:r>
             <a:r>
               <a:rPr lang="en-US" baseline="30000" dirty="0" smtClean="0"/>
@@ -10361,27 +10546,21 @@
             <a:pPr lvl="1"/>
             <a:r>
               <a:rPr lang="en-US" dirty="0" smtClean="0"/>
-              <a:t>News articles (RSS)</a:t>
-            </a:r>
-          </a:p>
-          <a:p>
-            <a:pPr lvl="1"/>
-            <a:r>
-              <a:rPr lang="en-US" dirty="0" smtClean="0"/>
-              <a:t>Events</a:t>
-            </a:r>
-          </a:p>
-          <a:p>
-            <a:pPr lvl="1"/>
-            <a:r>
-              <a:rPr lang="en-US" dirty="0" smtClean="0"/>
-              <a:t>Malware samples </a:t>
-            </a:r>
-          </a:p>
-          <a:p>
-            <a:r>
-              <a:rPr lang="en-US" dirty="0" smtClean="0"/>
-              <a:t>Goal: </a:t>
+              <a:t>News articles (RSS</a:t>
+            </a:r>
+            <a:r>
+              <a:rPr lang="en-US" dirty="0" smtClean="0"/>
+              <a:t>)</a:t>
+            </a:r>
+          </a:p>
+          <a:p>
+            <a:r>
+              <a:rPr lang="en-US" dirty="0" smtClean="0"/>
+              <a:t> Goal</a:t>
+            </a:r>
+            <a:r>
+              <a:rPr lang="en-US" dirty="0" smtClean="0"/>
+              <a:t>: </a:t>
             </a:r>
           </a:p>
           <a:p>
@@ -10514,7 +10693,7 @@
             </a:r>
             <a:r>
               <a:rPr lang="en-US" dirty="0" smtClean="0"/>
-              <a:t>D</a:t>
+              <a:t>|D|</a:t>
             </a:r>
             <a:r>
               <a:rPr lang="en-US" baseline="30000" dirty="0" smtClean="0"/>
@@ -10522,7 +10701,7 @@
             </a:r>
             <a:r>
               <a:rPr lang="en-US" dirty="0" smtClean="0"/>
-              <a:t>T</a:t>
+              <a:t>|T|</a:t>
             </a:r>
             <a:r>
               <a:rPr lang="en-US" baseline="30000" dirty="0" smtClean="0"/>
@@ -10657,7 +10836,7 @@
             </a:r>
             <a:r>
               <a:rPr lang="en-US" dirty="0" smtClean="0"/>
-              <a:t>D</a:t>
+              <a:t>|D|</a:t>
             </a:r>
             <a:r>
               <a:rPr lang="en-US" baseline="30000" dirty="0" smtClean="0"/>
@@ -10673,7 +10852,7 @@
             </a:r>
             <a:r>
               <a:rPr lang="en-US" dirty="0" smtClean="0"/>
-              <a:t>D</a:t>
+              <a:t>|D|</a:t>
             </a:r>
             <a:r>
               <a:rPr lang="en-US" baseline="30000" dirty="0" smtClean="0"/>
@@ -10681,7 +10860,7 @@
             </a:r>
             <a:r>
               <a:rPr lang="en-US" dirty="0" smtClean="0"/>
-              <a:t>T</a:t>
+              <a:t>|T|</a:t>
             </a:r>
             <a:r>
               <a:rPr lang="en-US" baseline="30000" dirty="0" smtClean="0"/>
@@ -10984,40 +11163,136 @@
           <a:chExt cx="0" cy="0"/>
         </a:xfrm>
       </p:grpSpPr>
-      <p:pic>
-        <p:nvPicPr>
-          <p:cNvPr id="5" name="Picture 4" descr="topic_density.png"/>
-          <p:cNvPicPr>
-            <a:picLocks noChangeAspect="1"/>
-          </p:cNvPicPr>
-          <p:nvPr/>
-        </p:nvPicPr>
-        <p:blipFill>
-          <a:blip r:embed="rId3">
-            <a:extLst>
-              <a:ext uri="{28A0092B-C50C-407E-A947-70E740481C1C}">
-                <a14:useLocalDpi xmlns:a14="http://schemas.microsoft.com/office/drawing/2010/main" val="0"/>
-              </a:ext>
-            </a:extLst>
-          </a:blip>
-          <a:stretch>
-            <a:fillRect/>
-          </a:stretch>
-        </p:blipFill>
-        <p:spPr>
-          <a:xfrm>
-            <a:off x="0" y="0"/>
-            <a:ext cx="9144000" cy="6858000"/>
-          </a:xfrm>
-          <a:prstGeom prst="rect">
-            <a:avLst/>
-          </a:prstGeom>
-        </p:spPr>
-      </p:pic>
+      <p:sp>
+        <p:nvSpPr>
+          <p:cNvPr id="2" name="Title 1"/>
+          <p:cNvSpPr>
+            <a:spLocks noGrp="1"/>
+          </p:cNvSpPr>
+          <p:nvPr>
+            <p:ph type="title"/>
+          </p:nvPr>
+        </p:nvSpPr>
+        <p:spPr/>
+        <p:txBody>
+          <a:bodyPr/>
+          <a:lstStyle/>
+          <a:p>
+            <a:r>
+              <a:rPr lang="en-US" dirty="0"/>
+              <a:t>Complexity Heuristics</a:t>
+            </a:r>
+          </a:p>
+        </p:txBody>
+      </p:sp>
+      <p:sp>
+        <p:nvSpPr>
+          <p:cNvPr id="3" name="Content Placeholder 2"/>
+          <p:cNvSpPr>
+            <a:spLocks noGrp="1"/>
+          </p:cNvSpPr>
+          <p:nvPr>
+            <p:ph idx="1"/>
+          </p:nvPr>
+        </p:nvSpPr>
+        <p:spPr/>
+        <p:txBody>
+          <a:bodyPr>
+            <a:normAutofit lnSpcReduction="10000"/>
+          </a:bodyPr>
+          <a:lstStyle/>
+          <a:p>
+            <a:r>
+              <a:rPr lang="en-US" dirty="0" smtClean="0"/>
+              <a:t>Most topics contribute very little</a:t>
+            </a:r>
+          </a:p>
+          <a:p>
+            <a:pPr lvl="1"/>
+            <a:r>
+              <a:rPr lang="en-US" dirty="0" smtClean="0"/>
+              <a:t>Spurious topics when K too large, should be excluded</a:t>
+            </a:r>
+          </a:p>
+          <a:p>
+            <a:r>
+              <a:rPr lang="en-US" dirty="0" smtClean="0"/>
+              <a:t>Reduce search space with thresholds</a:t>
+            </a:r>
+          </a:p>
+          <a:p>
+            <a:pPr lvl="1"/>
+            <a:r>
+              <a:rPr lang="en-US" dirty="0" smtClean="0"/>
+              <a:t>All methods can use document-topic threshold</a:t>
+            </a:r>
+          </a:p>
+          <a:p>
+            <a:pPr lvl="1"/>
+            <a:r>
+              <a:rPr lang="en-US" dirty="0" smtClean="0"/>
+              <a:t>Topic similarity threshold – limit by T, T’</a:t>
+            </a:r>
+          </a:p>
+          <a:p>
+            <a:pPr lvl="1"/>
+            <a:r>
+              <a:rPr lang="en-US" dirty="0" smtClean="0"/>
+              <a:t>Document similarity threshold – limit by D, D’</a:t>
+            </a:r>
+          </a:p>
+          <a:p>
+            <a:pPr lvl="1"/>
+            <a:r>
+              <a:rPr lang="en-US" dirty="0" smtClean="0"/>
+              <a:t>10</a:t>
+            </a:r>
+            <a:r>
+              <a:rPr lang="en-US" dirty="0"/>
+              <a:t>% of N</a:t>
+            </a:r>
+            <a:r>
+              <a:rPr lang="en-US" baseline="30000" dirty="0"/>
+              <a:t>2</a:t>
+            </a:r>
+            <a:r>
+              <a:rPr lang="en-US" dirty="0"/>
+              <a:t> still O(N</a:t>
+            </a:r>
+            <a:r>
+              <a:rPr lang="en-US" baseline="30000" dirty="0"/>
+              <a:t>2</a:t>
+            </a:r>
+            <a:r>
+              <a:rPr lang="en-US" dirty="0" smtClean="0"/>
+              <a:t>)</a:t>
+            </a:r>
+          </a:p>
+          <a:p>
+            <a:r>
+              <a:rPr lang="en-US" dirty="0" smtClean="0"/>
+              <a:t>Thresholds hard without pre-computation</a:t>
+            </a:r>
+          </a:p>
+          <a:p>
+            <a:pPr lvl="1"/>
+            <a:r>
+              <a:rPr lang="en-US" dirty="0" smtClean="0"/>
+              <a:t>Weighted document similarity unique to D, T</a:t>
+            </a:r>
+          </a:p>
+          <a:p>
+            <a:pPr marL="0" indent="0">
+              <a:buNone/>
+            </a:pPr>
+            <a:endParaRPr lang="en-US" dirty="0"/>
+          </a:p>
+        </p:txBody>
+      </p:sp>
     </p:spTree>
     <p:extLst>
       <p:ext uri="{BB962C8B-B14F-4D97-AF65-F5344CB8AC3E}">
-        <p14:creationId xmlns:p14="http://schemas.microsoft.com/office/powerpoint/2010/main" val="2002417435"/>
+        <p14:creationId xmlns:p14="http://schemas.microsoft.com/office/powerpoint/2010/main" val="1889740098"/>
       </p:ext>
     </p:extLst>
   </p:cSld>
@@ -11051,40 +11326,198 @@
           <a:chExt cx="0" cy="0"/>
         </a:xfrm>
       </p:grpSpPr>
-      <p:pic>
-        <p:nvPicPr>
-          <p:cNvPr id="4" name="Picture 3" descr="doc_topic_density.png"/>
-          <p:cNvPicPr>
-            <a:picLocks noChangeAspect="1"/>
-          </p:cNvPicPr>
-          <p:nvPr/>
-        </p:nvPicPr>
-        <p:blipFill>
-          <a:blip r:embed="rId3">
-            <a:extLst>
-              <a:ext uri="{28A0092B-C50C-407E-A947-70E740481C1C}">
-                <a14:useLocalDpi xmlns:a14="http://schemas.microsoft.com/office/drawing/2010/main" val="0"/>
-              </a:ext>
-            </a:extLst>
-          </a:blip>
-          <a:stretch>
-            <a:fillRect/>
-          </a:stretch>
-        </p:blipFill>
-        <p:spPr>
-          <a:xfrm>
-            <a:off x="0" y="0"/>
-            <a:ext cx="9144000" cy="6858000"/>
-          </a:xfrm>
-          <a:prstGeom prst="rect">
-            <a:avLst/>
-          </a:prstGeom>
-        </p:spPr>
-      </p:pic>
+      <p:sp>
+        <p:nvSpPr>
+          <p:cNvPr id="2" name="Title 1"/>
+          <p:cNvSpPr>
+            <a:spLocks noGrp="1"/>
+          </p:cNvSpPr>
+          <p:nvPr>
+            <p:ph type="title"/>
+          </p:nvPr>
+        </p:nvSpPr>
+        <p:spPr/>
+        <p:txBody>
+          <a:bodyPr/>
+          <a:lstStyle/>
+          <a:p>
+            <a:r>
+              <a:rPr lang="en-US" dirty="0"/>
+              <a:t>Complexity Heuristics</a:t>
+            </a:r>
+          </a:p>
+        </p:txBody>
+      </p:sp>
+      <p:sp>
+        <p:nvSpPr>
+          <p:cNvPr id="3" name="Content Placeholder 2"/>
+          <p:cNvSpPr>
+            <a:spLocks noGrp="1"/>
+          </p:cNvSpPr>
+          <p:nvPr>
+            <p:ph idx="1"/>
+          </p:nvPr>
+        </p:nvSpPr>
+        <p:spPr/>
+        <p:txBody>
+          <a:bodyPr>
+            <a:normAutofit/>
+          </a:bodyPr>
+          <a:lstStyle/>
+          <a:p>
+            <a:r>
+              <a:rPr lang="en-US" dirty="0" smtClean="0"/>
+              <a:t>Problem: </a:t>
+            </a:r>
+          </a:p>
+          <a:p>
+            <a:pPr lvl="1"/>
+            <a:r>
+              <a:rPr lang="en-US" dirty="0" smtClean="0"/>
+              <a:t>Edge score unique to D, T, D’, T’</a:t>
+            </a:r>
+          </a:p>
+          <a:p>
+            <a:pPr lvl="1"/>
+            <a:r>
+              <a:rPr lang="en-US" dirty="0" smtClean="0"/>
+              <a:t>Nothing to factor out, pre-compute</a:t>
+            </a:r>
+          </a:p>
+          <a:p>
+            <a:r>
+              <a:rPr lang="en-US" dirty="0" smtClean="0"/>
+              <a:t>Idea:</a:t>
+            </a:r>
+          </a:p>
+          <a:p>
+            <a:pPr lvl="1"/>
+            <a:r>
+              <a:rPr lang="en-US" sz="2000" dirty="0" smtClean="0"/>
+              <a:t>Document-topic thresholds still apply</a:t>
+            </a:r>
+          </a:p>
+          <a:p>
+            <a:pPr lvl="1"/>
+            <a:r>
+              <a:rPr lang="en-US" sz="2000" dirty="0" smtClean="0"/>
+              <a:t>Topic similarity, Document similarity still important</a:t>
+            </a:r>
+          </a:p>
+          <a:p>
+            <a:pPr lvl="1"/>
+            <a:r>
+              <a:rPr lang="en-US" sz="2000" dirty="0" smtClean="0"/>
+              <a:t>Compute document similarity, reduce O</a:t>
+            </a:r>
+            <a:r>
+              <a:rPr lang="en-US" sz="2000" dirty="0" smtClean="0"/>
+              <a:t>(|D|</a:t>
+            </a:r>
+            <a:r>
+              <a:rPr lang="en-US" sz="2000" baseline="30000" dirty="0" smtClean="0"/>
+              <a:t>2</a:t>
+            </a:r>
+            <a:r>
+              <a:rPr lang="en-US" sz="2000" dirty="0" smtClean="0"/>
+              <a:t>) to O</a:t>
+            </a:r>
+            <a:r>
+              <a:rPr lang="en-US" sz="2000" dirty="0" smtClean="0"/>
+              <a:t>(|D|)</a:t>
+            </a:r>
+            <a:endParaRPr lang="en-US" sz="2000" dirty="0" smtClean="0"/>
+          </a:p>
+          <a:p>
+            <a:pPr lvl="1"/>
+            <a:r>
+              <a:rPr lang="en-US" sz="2000" dirty="0" smtClean="0"/>
+              <a:t>Compute topic similarity on D, reduce O</a:t>
+            </a:r>
+            <a:r>
+              <a:rPr lang="en-US" sz="2000" dirty="0" smtClean="0"/>
+              <a:t>(|D||T|</a:t>
+            </a:r>
+            <a:r>
+              <a:rPr lang="en-US" sz="2000" baseline="30000" dirty="0" smtClean="0"/>
+              <a:t>2</a:t>
+            </a:r>
+            <a:r>
+              <a:rPr lang="en-US" sz="2000" dirty="0" smtClean="0"/>
+              <a:t>) to O</a:t>
+            </a:r>
+            <a:r>
+              <a:rPr lang="en-US" sz="2000" dirty="0" smtClean="0"/>
+              <a:t>(|D||T|)</a:t>
+            </a:r>
+            <a:endParaRPr lang="en-US" sz="2000" dirty="0" smtClean="0"/>
+          </a:p>
+          <a:p>
+            <a:pPr lvl="1"/>
+            <a:r>
+              <a:rPr lang="en-US" sz="2000" dirty="0" smtClean="0"/>
+              <a:t>Compute edges</a:t>
+            </a:r>
+            <a:r>
+              <a:rPr lang="en-US" sz="2000" dirty="0"/>
+              <a:t>(DT, D’T’)</a:t>
+            </a:r>
+            <a:r>
+              <a:rPr lang="en-US" sz="2000" dirty="0" smtClean="0"/>
+              <a:t>, O</a:t>
+            </a:r>
+            <a:r>
+              <a:rPr lang="en-US" sz="2000" dirty="0" smtClean="0"/>
+              <a:t>(|D|</a:t>
+            </a:r>
+            <a:r>
+              <a:rPr lang="en-US" sz="2000" baseline="30000" dirty="0" smtClean="0"/>
+              <a:t>2 </a:t>
+            </a:r>
+            <a:r>
+              <a:rPr lang="en-US" sz="2000" dirty="0" smtClean="0"/>
+              <a:t>+|T|</a:t>
+            </a:r>
+            <a:r>
+              <a:rPr lang="en-US" sz="2000" baseline="30000" dirty="0" smtClean="0"/>
+              <a:t>2</a:t>
+            </a:r>
+            <a:r>
+              <a:rPr lang="en-US" sz="2000" dirty="0" smtClean="0"/>
+              <a:t> </a:t>
+            </a:r>
+            <a:r>
+              <a:rPr lang="en-US" sz="2000" dirty="0" smtClean="0"/>
+              <a:t>+ </a:t>
+            </a:r>
+            <a:r>
+              <a:rPr lang="en-US" sz="2000" dirty="0" smtClean="0"/>
+              <a:t>|D||T|L</a:t>
+            </a:r>
+            <a:r>
+              <a:rPr lang="en-US" sz="2000" dirty="0" smtClean="0"/>
+              <a:t>) = O</a:t>
+            </a:r>
+            <a:r>
+              <a:rPr lang="en-US" sz="2000" dirty="0" smtClean="0"/>
+              <a:t>(|D|</a:t>
+            </a:r>
+            <a:r>
+              <a:rPr lang="en-US" sz="2000" baseline="30000" dirty="0" smtClean="0"/>
+              <a:t>2</a:t>
+            </a:r>
+            <a:r>
+              <a:rPr lang="en-US" sz="2000" dirty="0" smtClean="0"/>
+              <a:t>)</a:t>
+            </a:r>
+            <a:endParaRPr lang="en-US" sz="2000" baseline="30000" dirty="0"/>
+          </a:p>
+        </p:txBody>
+      </p:sp>
     </p:spTree>
     <p:extLst>
       <p:ext uri="{BB962C8B-B14F-4D97-AF65-F5344CB8AC3E}">
-        <p14:creationId xmlns:p14="http://schemas.microsoft.com/office/powerpoint/2010/main" val="1922270860"/>
+        <p14:creationId xmlns:p14="http://schemas.microsoft.com/office/powerpoint/2010/main" val="2222535783"/>
       </p:ext>
     </p:extLst>
   </p:cSld>
@@ -11134,9 +11567,10 @@
           <a:lstStyle/>
           <a:p>
             <a:r>
-              <a:rPr lang="en-US" dirty="0"/>
-              <a:t>Complexity Heuristics</a:t>
-            </a:r>
+              <a:rPr lang="en-US" dirty="0" smtClean="0"/>
+              <a:t>Creating Sub-graphs</a:t>
+            </a:r>
+            <a:endParaRPr lang="en-US" dirty="0"/>
           </a:p>
         </p:txBody>
       </p:sp>
@@ -11159,87 +11593,56 @@
           <a:p>
             <a:r>
               <a:rPr lang="en-US" dirty="0" smtClean="0"/>
-              <a:t>Most topics contribute very little</a:t>
+              <a:t>Start from document S</a:t>
+            </a:r>
+          </a:p>
+          <a:p>
+            <a:r>
+              <a:rPr lang="en-US" dirty="0" smtClean="0"/>
+              <a:t>Choose Neighbors</a:t>
             </a:r>
           </a:p>
           <a:p>
             <a:pPr lvl="1"/>
             <a:r>
               <a:rPr lang="en-US" dirty="0" smtClean="0"/>
-              <a:t>Spurious topics when K too large, should be excluded</a:t>
-            </a:r>
-          </a:p>
-          <a:p>
-            <a:r>
-              <a:rPr lang="en-US" dirty="0" smtClean="0"/>
-              <a:t>Reduce search space with thresholds</a:t>
+              <a:t>B highest weighted edges</a:t>
             </a:r>
           </a:p>
           <a:p>
             <a:pPr lvl="1"/>
             <a:r>
               <a:rPr lang="en-US" dirty="0" smtClean="0"/>
-              <a:t>All methods can use document-topic threshold</a:t>
+              <a:t>Edges above threshold</a:t>
             </a:r>
           </a:p>
           <a:p>
             <a:pPr lvl="1"/>
             <a:r>
               <a:rPr lang="en-US" dirty="0" smtClean="0"/>
-              <a:t>Topic similarity threshold – limit by T, T’</a:t>
+              <a:t>Best edges have large weight (probability, similarity)</a:t>
+            </a:r>
+          </a:p>
+          <a:p>
+            <a:r>
+              <a:rPr lang="en-US" dirty="0" smtClean="0"/>
+              <a:t>Expand to desired depth </a:t>
+            </a:r>
+          </a:p>
+          <a:p>
+            <a:r>
+              <a:rPr lang="en-US" dirty="0" smtClean="0"/>
+              <a:t>Optional:</a:t>
             </a:r>
           </a:p>
           <a:p>
             <a:pPr lvl="1"/>
             <a:r>
               <a:rPr lang="en-US" dirty="0" smtClean="0"/>
-              <a:t>Document similarity threshold – limit by D, D’</a:t>
-            </a:r>
-          </a:p>
-          <a:p>
-            <a:pPr lvl="1"/>
-            <a:r>
-              <a:rPr lang="en-US" dirty="0" smtClean="0"/>
-              <a:t>10</a:t>
-            </a:r>
-            <a:r>
-              <a:rPr lang="en-US" dirty="0"/>
-              <a:t>% of N</a:t>
-            </a:r>
-            <a:r>
-              <a:rPr lang="en-US" baseline="30000" dirty="0"/>
-              <a:t>2</a:t>
-            </a:r>
-            <a:r>
-              <a:rPr lang="en-US" dirty="0"/>
-              <a:t> still O(N</a:t>
-            </a:r>
-            <a:r>
-              <a:rPr lang="en-US" baseline="30000" dirty="0"/>
-              <a:t>2</a:t>
-            </a:r>
-            <a:r>
-              <a:rPr lang="en-US" dirty="0" smtClean="0"/>
-              <a:t>)</a:t>
-            </a:r>
-          </a:p>
-          <a:p>
-            <a:r>
-              <a:rPr lang="en-US" dirty="0" smtClean="0"/>
-              <a:t>Thresholds hard without pre-computation</a:t>
-            </a:r>
-          </a:p>
-          <a:p>
-            <a:pPr lvl="1"/>
-            <a:r>
-              <a:rPr lang="en-US" dirty="0" smtClean="0"/>
-              <a:t>Weighted document similarity unique to D, T</a:t>
-            </a:r>
-          </a:p>
-          <a:p>
-            <a:pPr marL="0" indent="0">
-              <a:buNone/>
-            </a:pPr>
+              <a:t>Assist sub-graph creation by query by term(s)</a:t>
+            </a:r>
+          </a:p>
+          <a:p>
             <a:endParaRPr lang="en-US" dirty="0"/>
           </a:p>
         </p:txBody>
@@ -11247,7 +11650,7 @@
     </p:spTree>
     <p:extLst>
       <p:ext uri="{BB962C8B-B14F-4D97-AF65-F5344CB8AC3E}">
-        <p14:creationId xmlns:p14="http://schemas.microsoft.com/office/powerpoint/2010/main" val="1889740098"/>
+        <p14:creationId xmlns:p14="http://schemas.microsoft.com/office/powerpoint/2010/main" val="2554840384"/>
       </p:ext>
     </p:extLst>
   </p:cSld>
@@ -11297,144 +11700,96 @@
           <a:lstStyle/>
           <a:p>
             <a:r>
+              <a:rPr lang="en-US" dirty="0" smtClean="0"/>
+              <a:t>Evaluation</a:t>
+            </a:r>
+            <a:endParaRPr lang="en-US" dirty="0"/>
+          </a:p>
+        </p:txBody>
+      </p:sp>
+      <p:sp>
+        <p:nvSpPr>
+          <p:cNvPr id="3" name="Content Placeholder 2"/>
+          <p:cNvSpPr>
+            <a:spLocks noGrp="1"/>
+          </p:cNvSpPr>
+          <p:nvPr>
+            <p:ph idx="1"/>
+          </p:nvPr>
+        </p:nvSpPr>
+        <p:spPr/>
+        <p:txBody>
+          <a:bodyPr/>
+          <a:lstStyle/>
+          <a:p>
+            <a:r>
+              <a:rPr lang="en-US" dirty="0" smtClean="0"/>
+              <a:t>Problem:</a:t>
+            </a:r>
+          </a:p>
+          <a:p>
+            <a:pPr lvl="1"/>
+            <a:r>
+              <a:rPr lang="en-US" dirty="0" smtClean="0"/>
+              <a:t>Many options for edge creation – how to compare</a:t>
+            </a:r>
+          </a:p>
+          <a:p>
+            <a:pPr lvl="1"/>
+            <a:r>
+              <a:rPr lang="en-US" dirty="0" smtClean="0"/>
+              <a:t>Unsupervised method – no right answer</a:t>
+            </a:r>
+          </a:p>
+          <a:p>
+            <a:r>
               <a:rPr lang="en-US" dirty="0"/>
-              <a:t>Complexity Heuristics</a:t>
-            </a:r>
-          </a:p>
-        </p:txBody>
-      </p:sp>
-      <p:sp>
-        <p:nvSpPr>
-          <p:cNvPr id="3" name="Content Placeholder 2"/>
-          <p:cNvSpPr>
-            <a:spLocks noGrp="1"/>
-          </p:cNvSpPr>
-          <p:nvPr>
-            <p:ph idx="1"/>
-          </p:nvPr>
-        </p:nvSpPr>
-        <p:spPr/>
-        <p:txBody>
-          <a:bodyPr>
-            <a:normAutofit lnSpcReduction="10000"/>
-          </a:bodyPr>
-          <a:lstStyle/>
-          <a:p>
-            <a:r>
-              <a:rPr lang="en-US" dirty="0" smtClean="0"/>
-              <a:t>Problem: </a:t>
+              <a:t>Principles of good sub-graphs</a:t>
+            </a:r>
+            <a:r>
+              <a:rPr lang="en-US" dirty="0" smtClean="0"/>
+              <a:t>:</a:t>
             </a:r>
           </a:p>
           <a:p>
             <a:pPr lvl="1"/>
             <a:r>
               <a:rPr lang="en-US" dirty="0" smtClean="0"/>
-              <a:t>Edge score unique to D, T, D’, T’</a:t>
+              <a:t>Maximize documents returned</a:t>
             </a:r>
           </a:p>
           <a:p>
             <a:pPr lvl="1"/>
             <a:r>
               <a:rPr lang="en-US" dirty="0" smtClean="0"/>
-              <a:t>Nothing to factor out, pre-compute</a:t>
-            </a:r>
-          </a:p>
-          <a:p>
-            <a:r>
-              <a:rPr lang="en-US" dirty="0" smtClean="0"/>
-              <a:t>Idea:</a:t>
+              <a:t>Minimize topics present</a:t>
             </a:r>
           </a:p>
           <a:p>
             <a:pPr lvl="1"/>
             <a:r>
               <a:rPr lang="en-US" dirty="0" smtClean="0"/>
-              <a:t>Document-topic thresholds still apply</a:t>
-            </a:r>
+              <a:t>Minimize divergence/growth of </a:t>
+            </a:r>
+            <a:r>
+              <a:rPr lang="en-US" dirty="0" smtClean="0"/>
+              <a:t>sub-graph vocabulary</a:t>
+            </a:r>
+            <a:endParaRPr lang="en-US" dirty="0" smtClean="0"/>
           </a:p>
           <a:p>
             <a:pPr lvl="1"/>
-            <a:r>
-              <a:rPr lang="en-US" dirty="0" smtClean="0"/>
-              <a:t>Topic similarity, Document similarity still important</a:t>
-            </a:r>
-          </a:p>
-          <a:p>
-            <a:pPr lvl="1"/>
-            <a:r>
-              <a:rPr lang="en-US" dirty="0" smtClean="0"/>
-              <a:t>Compute document similarity, reduce O(D</a:t>
-            </a:r>
-            <a:r>
-              <a:rPr lang="en-US" baseline="30000" dirty="0" smtClean="0"/>
-              <a:t>2</a:t>
-            </a:r>
-            <a:r>
-              <a:rPr lang="en-US" dirty="0" smtClean="0"/>
-              <a:t>) to O(D)</a:t>
-            </a:r>
-          </a:p>
-          <a:p>
-            <a:pPr lvl="1"/>
-            <a:r>
-              <a:rPr lang="en-US" dirty="0" smtClean="0"/>
-              <a:t>Compute topic similarity on D, reduce O(DT</a:t>
-            </a:r>
-            <a:r>
-              <a:rPr lang="en-US" baseline="30000" dirty="0" smtClean="0"/>
-              <a:t>2</a:t>
-            </a:r>
-            <a:r>
-              <a:rPr lang="en-US" dirty="0" smtClean="0"/>
-              <a:t>) to O(DT)</a:t>
-            </a:r>
-          </a:p>
-          <a:p>
-            <a:pPr lvl="1"/>
-            <a:r>
-              <a:rPr lang="en-US" dirty="0" smtClean="0"/>
-              <a:t>Compute edges</a:t>
-            </a:r>
-            <a:r>
-              <a:rPr lang="en-US" dirty="0"/>
-              <a:t>(DT, D’T’)</a:t>
-            </a:r>
-            <a:r>
-              <a:rPr lang="en-US" dirty="0" smtClean="0"/>
-              <a:t>, O(D</a:t>
-            </a:r>
-            <a:r>
-              <a:rPr lang="en-US" baseline="30000" dirty="0" smtClean="0"/>
-              <a:t>2 </a:t>
-            </a:r>
-            <a:r>
-              <a:rPr lang="en-US" dirty="0" smtClean="0"/>
-              <a:t>+T</a:t>
-            </a:r>
-            <a:r>
-              <a:rPr lang="en-US" baseline="30000" dirty="0" smtClean="0"/>
-              <a:t>2</a:t>
-            </a:r>
-            <a:r>
-              <a:rPr lang="en-US" dirty="0" smtClean="0"/>
-              <a:t> + DTL) = O(D</a:t>
-            </a:r>
-            <a:r>
-              <a:rPr lang="en-US" baseline="30000" dirty="0" smtClean="0"/>
-              <a:t>2</a:t>
-            </a:r>
-            <a:r>
-              <a:rPr lang="en-US" dirty="0" smtClean="0"/>
-              <a:t>)</a:t>
-            </a:r>
-            <a:endParaRPr lang="en-US" baseline="30000" dirty="0"/>
+            <a:endParaRPr lang="en-US" dirty="0" smtClean="0"/>
+          </a:p>
+          <a:p>
+            <a:endParaRPr lang="en-US" dirty="0"/>
           </a:p>
         </p:txBody>
       </p:sp>
     </p:spTree>
     <p:extLst>
       <p:ext uri="{BB962C8B-B14F-4D97-AF65-F5344CB8AC3E}">
-        <p14:creationId xmlns:p14="http://schemas.microsoft.com/office/powerpoint/2010/main" val="2222535783"/>
+        <p14:creationId xmlns:p14="http://schemas.microsoft.com/office/powerpoint/2010/main" val="1370828408"/>
       </p:ext>
     </p:extLst>
   </p:cSld>
@@ -11485,7 +11840,7 @@
           <a:p>
             <a:r>
               <a:rPr lang="en-US" dirty="0" smtClean="0"/>
-              <a:t>Creating Sub-graphs</a:t>
+              <a:t>Evaluation</a:t>
             </a:r>
             <a:endParaRPr lang="en-US" dirty="0"/>
           </a:p>
@@ -11503,71 +11858,115 @@
         </p:nvSpPr>
         <p:spPr/>
         <p:txBody>
-          <a:bodyPr>
-            <a:normAutofit lnSpcReduction="10000"/>
-          </a:bodyPr>
+          <a:bodyPr/>
           <a:lstStyle/>
           <a:p>
-            <a:r>
-              <a:rPr lang="en-US" dirty="0" smtClean="0"/>
-              <a:t>Start from document S</a:t>
-            </a:r>
-          </a:p>
-          <a:p>
-            <a:r>
-              <a:rPr lang="en-US" dirty="0" smtClean="0"/>
-              <a:t>Choose Neighbors</a:t>
-            </a:r>
+            <a:endParaRPr lang="en-US" dirty="0" smtClean="0"/>
+          </a:p>
+          <a:p>
+            <a:r>
+              <a:rPr lang="en-US" dirty="0" smtClean="0"/>
+              <a:t>Divergence</a:t>
+            </a:r>
+            <a:endParaRPr lang="en-US" dirty="0" smtClean="0"/>
           </a:p>
           <a:p>
             <a:pPr lvl="1"/>
             <a:r>
               <a:rPr lang="en-US" dirty="0" smtClean="0"/>
-              <a:t>B highest weighted edges</a:t>
+              <a:t>KL divergence:</a:t>
             </a:r>
           </a:p>
           <a:p>
             <a:pPr lvl="1"/>
             <a:r>
               <a:rPr lang="en-US" dirty="0" smtClean="0"/>
-              <a:t>Edges above threshold</a:t>
-            </a:r>
+              <a:t>p = </a:t>
+            </a:r>
+            <a:r>
+              <a:rPr lang="en-US" dirty="0" smtClean="0"/>
+              <a:t>term distribution </a:t>
+            </a:r>
+            <a:r>
+              <a:rPr lang="en-US" dirty="0" smtClean="0"/>
+              <a:t>of </a:t>
+            </a:r>
+            <a:r>
+              <a:rPr lang="en-US" dirty="0" smtClean="0"/>
+              <a:t>start document</a:t>
+            </a:r>
+            <a:endParaRPr lang="en-US" dirty="0" smtClean="0"/>
           </a:p>
           <a:p>
             <a:pPr lvl="1"/>
             <a:r>
               <a:rPr lang="en-US" dirty="0" smtClean="0"/>
-              <a:t>Best edges have large weight (probability, similarity)</a:t>
-            </a:r>
-          </a:p>
-          <a:p>
-            <a:r>
-              <a:rPr lang="en-US" dirty="0" smtClean="0"/>
-              <a:t>Expand to desired depth </a:t>
-            </a:r>
-          </a:p>
-          <a:p>
-            <a:r>
-              <a:rPr lang="en-US" dirty="0" smtClean="0"/>
-              <a:t>Optional:</a:t>
-            </a:r>
+              <a:t>q = </a:t>
+            </a:r>
+            <a:r>
+              <a:rPr lang="en-US" dirty="0" smtClean="0"/>
+              <a:t>term distribution </a:t>
+            </a:r>
+            <a:r>
+              <a:rPr lang="en-US" dirty="0" smtClean="0"/>
+              <a:t>of neighbors</a:t>
+            </a:r>
+          </a:p>
+          <a:p>
+            <a:r>
+              <a:rPr lang="en-US" dirty="0" smtClean="0"/>
+              <a:t>Within Cluster Sum of Squares</a:t>
+            </a:r>
+            <a:endParaRPr lang="en-US" dirty="0" smtClean="0"/>
           </a:p>
           <a:p>
             <a:pPr lvl="1"/>
             <a:r>
               <a:rPr lang="en-US" dirty="0" smtClean="0"/>
-              <a:t>Assist sub-graph creation by query by term(s)</a:t>
-            </a:r>
-          </a:p>
-          <a:p>
-            <a:endParaRPr lang="en-US" dirty="0"/>
-          </a:p>
-        </p:txBody>
-      </p:sp>
+              <a:t>Treat start document as centroid</a:t>
+            </a:r>
+            <a:endParaRPr lang="en-US" dirty="0" smtClean="0"/>
+          </a:p>
+          <a:p>
+            <a:pPr lvl="1"/>
+            <a:endParaRPr lang="en-US" dirty="0" smtClean="0"/>
+          </a:p>
+        </p:txBody>
+      </p:sp>
+      <p:pic>
+        <p:nvPicPr>
+          <p:cNvPr id="4" name="Picture 3" descr="Screen Shot 2012-11-01 at 1.23.59 PM.png"/>
+          <p:cNvPicPr>
+            <a:picLocks noChangeAspect="1"/>
+          </p:cNvPicPr>
+          <p:nvPr/>
+        </p:nvPicPr>
+        <p:blipFill>
+          <a:blip r:embed="rId2">
+            <a:extLst>
+              <a:ext uri="{28A0092B-C50C-407E-A947-70E740481C1C}">
+                <a14:useLocalDpi xmlns:a14="http://schemas.microsoft.com/office/drawing/2010/main" val="0"/>
+              </a:ext>
+            </a:extLst>
+          </a:blip>
+          <a:stretch>
+            <a:fillRect/>
+          </a:stretch>
+        </p:blipFill>
+        <p:spPr>
+          <a:xfrm>
+            <a:off x="4343242" y="2350900"/>
+            <a:ext cx="4018121" cy="936625"/>
+          </a:xfrm>
+          <a:prstGeom prst="rect">
+            <a:avLst/>
+          </a:prstGeom>
+        </p:spPr>
+      </p:pic>
     </p:spTree>
     <p:extLst>
       <p:ext uri="{BB962C8B-B14F-4D97-AF65-F5344CB8AC3E}">
-        <p14:creationId xmlns:p14="http://schemas.microsoft.com/office/powerpoint/2010/main" val="2554840384"/>
+        <p14:creationId xmlns:p14="http://schemas.microsoft.com/office/powerpoint/2010/main" val="1384895538"/>
       </p:ext>
     </p:extLst>
   </p:cSld>
@@ -11640,68 +12039,68 @@
           <a:lstStyle/>
           <a:p>
             <a:r>
-              <a:rPr lang="en-US" dirty="0" smtClean="0"/>
-              <a:t>Problem:</a:t>
-            </a:r>
+              <a:rPr lang="en-US" dirty="0"/>
+              <a:t>Upper </a:t>
+            </a:r>
+            <a:r>
+              <a:rPr lang="en-US" dirty="0" smtClean="0"/>
+              <a:t>Bound of Quality:</a:t>
+            </a:r>
+            <a:endParaRPr lang="en-US" dirty="0"/>
           </a:p>
           <a:p>
             <a:pPr lvl="1"/>
             <a:r>
               <a:rPr lang="en-US" dirty="0" smtClean="0"/>
-              <a:t>Many options for edge creation – how to compare</a:t>
+              <a:t>random, chronological edge creation &gt; Method </a:t>
+            </a:r>
+          </a:p>
+          <a:p>
+            <a:r>
+              <a:rPr lang="en-US" dirty="0" smtClean="0"/>
+              <a:t>Comparison of Quality:</a:t>
             </a:r>
           </a:p>
           <a:p>
             <a:pPr lvl="1"/>
             <a:r>
               <a:rPr lang="en-US" dirty="0" smtClean="0"/>
-              <a:t>Unsupervised method – no right answer</a:t>
-            </a:r>
-          </a:p>
-          <a:p>
-            <a:r>
-              <a:rPr lang="en-US" dirty="0"/>
-              <a:t>Principles of good sub-graphs</a:t>
-            </a:r>
-            <a:r>
-              <a:rPr lang="en-US" dirty="0" smtClean="0"/>
-              <a:t>:</a:t>
+              <a:t>Method 1 &gt; Method 2 &gt; ... &gt; Method N</a:t>
             </a:r>
           </a:p>
           <a:p>
             <a:pPr lvl="1"/>
             <a:r>
               <a:rPr lang="en-US" dirty="0" smtClean="0"/>
-              <a:t>Maximize documents returned</a:t>
+              <a:t>Use principles to quantify</a:t>
             </a:r>
           </a:p>
           <a:p>
             <a:pPr lvl="1"/>
             <a:r>
               <a:rPr lang="en-US" dirty="0" smtClean="0"/>
-              <a:t>Minimize topics present</a:t>
+              <a:t>Does not mean Method &lt; Good Enough</a:t>
+            </a:r>
+          </a:p>
+          <a:p>
+            <a:r>
+              <a:rPr lang="en-US" dirty="0" smtClean="0"/>
+              <a:t>Lower Bound of Quality:</a:t>
             </a:r>
           </a:p>
           <a:p>
             <a:pPr lvl="1"/>
             <a:r>
               <a:rPr lang="en-US" dirty="0" smtClean="0"/>
-              <a:t>Minimize divergence/growth of document vocabulary</a:t>
-            </a:r>
-          </a:p>
-          <a:p>
-            <a:pPr lvl="1"/>
-            <a:endParaRPr lang="en-US" dirty="0" smtClean="0"/>
-          </a:p>
-          <a:p>
-            <a:endParaRPr lang="en-US" dirty="0"/>
+              <a:t>Hard to quantity for unsupervised method</a:t>
+            </a:r>
           </a:p>
         </p:txBody>
       </p:sp>
     </p:spTree>
     <p:extLst>
       <p:ext uri="{BB962C8B-B14F-4D97-AF65-F5344CB8AC3E}">
-        <p14:creationId xmlns:p14="http://schemas.microsoft.com/office/powerpoint/2010/main" val="1370828408"/>
+        <p14:creationId xmlns:p14="http://schemas.microsoft.com/office/powerpoint/2010/main" val="1640638819"/>
       </p:ext>
     </p:extLst>
   </p:cSld>
@@ -11972,107 +12371,73 @@
           <a:p>
             <a:r>
               <a:rPr lang="en-US" dirty="0" smtClean="0"/>
-              <a:t>Divergence</a:t>
+              <a:t>Examine random sample of 2 weeks </a:t>
+            </a:r>
+          </a:p>
+          <a:p>
+            <a:r>
+              <a:rPr lang="en-US" dirty="0" smtClean="0"/>
+              <a:t>Question: are methods </a:t>
+            </a:r>
+            <a:r>
+              <a:rPr lang="en-US" i="1" dirty="0" smtClean="0"/>
+              <a:t>that</a:t>
+            </a:r>
+            <a:r>
+              <a:rPr lang="en-US" dirty="0" smtClean="0"/>
+              <a:t> different? </a:t>
             </a:r>
           </a:p>
           <a:p>
             <a:pPr lvl="1"/>
             <a:r>
-              <a:rPr lang="en-US" dirty="0" smtClean="0"/>
-              <a:t>KL divergence:</a:t>
+              <a:rPr lang="en-US" dirty="0"/>
+              <a:t>I</a:t>
+            </a:r>
+            <a:r>
+              <a:rPr lang="en-US" dirty="0" smtClean="0"/>
+              <a:t>ntersection of top 10 neighbors between methods</a:t>
             </a:r>
           </a:p>
           <a:p>
             <a:pPr lvl="1"/>
             <a:r>
               <a:rPr lang="en-US" dirty="0" smtClean="0"/>
-              <a:t>p = distribution of start</a:t>
+              <a:t>Test of Recall</a:t>
+            </a:r>
+          </a:p>
+          <a:p>
+            <a:r>
+              <a:rPr lang="en-US" dirty="0" smtClean="0"/>
+              <a:t>Question: are methods accurate?</a:t>
             </a:r>
           </a:p>
           <a:p>
             <a:pPr lvl="1"/>
             <a:r>
               <a:rPr lang="en-US" dirty="0" smtClean="0"/>
-              <a:t>q = distribution of neighbors</a:t>
-            </a:r>
-          </a:p>
-          <a:p>
-            <a:r>
-              <a:rPr lang="en-US" dirty="0" smtClean="0"/>
-              <a:t>Centroid</a:t>
+              <a:t>KL/WCSS statistics on content of top 10 neighbors</a:t>
             </a:r>
           </a:p>
           <a:p>
             <a:pPr lvl="1"/>
             <a:r>
               <a:rPr lang="en-US" dirty="0" smtClean="0"/>
-              <a:t>Metric on neighbors of start</a:t>
-            </a:r>
-          </a:p>
-          <a:p>
-            <a:pPr lvl="1"/>
-            <a:r>
-              <a:rPr lang="en-US" dirty="0" smtClean="0"/>
-              <a:t>Within cluster sum of squares</a:t>
-            </a:r>
-          </a:p>
-          <a:p>
-            <a:pPr lvl="1"/>
-            <a:endParaRPr lang="en-US" dirty="0" smtClean="0"/>
-          </a:p>
-          <a:p>
-            <a:pPr lvl="1"/>
-            <a:endParaRPr lang="en-US" dirty="0" smtClean="0"/>
-          </a:p>
-        </p:txBody>
-      </p:sp>
-      <p:pic>
-        <p:nvPicPr>
-          <p:cNvPr id="4" name="Picture 3" descr="Screen Shot 2012-11-01 at 1.23.59 PM.png"/>
-          <p:cNvPicPr>
-            <a:picLocks noChangeAspect="1"/>
-          </p:cNvPicPr>
-          <p:nvPr/>
-        </p:nvPicPr>
-        <p:blipFill>
-          <a:blip r:embed="rId2">
-            <a:extLst>
-              <a:ext uri="{28A0092B-C50C-407E-A947-70E740481C1C}">
-                <a14:useLocalDpi xmlns:a14="http://schemas.microsoft.com/office/drawing/2010/main" val="0"/>
-              </a:ext>
-            </a:extLst>
-          </a:blip>
-          <a:stretch>
-            <a:fillRect/>
-          </a:stretch>
-        </p:blipFill>
-        <p:spPr>
-          <a:xfrm>
-            <a:off x="4343242" y="1882588"/>
-            <a:ext cx="4018121" cy="936625"/>
-          </a:xfrm>
-          <a:prstGeom prst="rect">
-            <a:avLst/>
-          </a:prstGeom>
-        </p:spPr>
-      </p:pic>
+              <a:t>Test of Precision</a:t>
+            </a:r>
+          </a:p>
+        </p:txBody>
+      </p:sp>
     </p:spTree>
     <p:extLst>
       <p:ext uri="{BB962C8B-B14F-4D97-AF65-F5344CB8AC3E}">
-        <p14:creationId xmlns:p14="http://schemas.microsoft.com/office/powerpoint/2010/main" val="1384895538"/>
+        <p14:creationId xmlns:p14="http://schemas.microsoft.com/office/powerpoint/2010/main" val="3109845514"/>
       </p:ext>
     </p:extLst>
   </p:cSld>
   <p:clrMapOvr>
     <a:masterClrMapping/>
   </p:clrMapOvr>
-  <p:timing>
-    <p:tnLst>
-      <p:par>
-        <p:cTn xmlns:p14="http://schemas.microsoft.com/office/powerpoint/2010/main" id="1" dur="indefinite" restart="never" nodeType="tmRoot"/>
-      </p:par>
-    </p:tnLst>
-  </p:timing>
 </p:sld>
 </file>
 
@@ -12110,90 +12475,50 @@
           <a:p>
             <a:r>
               <a:rPr lang="en-US" dirty="0" smtClean="0"/>
-              <a:t>Evaluation</a:t>
+              <a:t>Evaluation: Intersection</a:t>
+            </a:r>
+            <a:r>
+              <a:rPr lang="en-US" dirty="0" smtClean="0"/>
+              <a:t>	</a:t>
             </a:r>
             <a:endParaRPr lang="en-US" dirty="0"/>
           </a:p>
         </p:txBody>
       </p:sp>
-      <p:sp>
-        <p:nvSpPr>
-          <p:cNvPr id="3" name="Content Placeholder 2"/>
-          <p:cNvSpPr>
-            <a:spLocks noGrp="1"/>
-          </p:cNvSpPr>
-          <p:nvPr>
-            <p:ph idx="1"/>
-          </p:nvPr>
-        </p:nvSpPr>
-        <p:spPr/>
-        <p:txBody>
-          <a:bodyPr/>
-          <a:lstStyle/>
-          <a:p>
-            <a:r>
-              <a:rPr lang="en-US" dirty="0"/>
-              <a:t>Upper </a:t>
-            </a:r>
-            <a:r>
-              <a:rPr lang="en-US" dirty="0" smtClean="0"/>
-              <a:t>Bound of Quality:</a:t>
-            </a:r>
-            <a:endParaRPr lang="en-US" dirty="0"/>
-          </a:p>
-          <a:p>
-            <a:pPr lvl="1"/>
-            <a:r>
-              <a:rPr lang="en-US" dirty="0" smtClean="0"/>
-              <a:t>random, chronological edge creation &gt; Method </a:t>
-            </a:r>
-          </a:p>
-          <a:p>
-            <a:r>
-              <a:rPr lang="en-US" dirty="0" smtClean="0"/>
-              <a:t>Comparison of Quality:</a:t>
-            </a:r>
-          </a:p>
-          <a:p>
-            <a:pPr lvl="1"/>
-            <a:r>
-              <a:rPr lang="en-US" dirty="0" smtClean="0"/>
-              <a:t>Method 1 &gt; Method 2 &gt; ... &gt; Method N</a:t>
-            </a:r>
-          </a:p>
-          <a:p>
-            <a:pPr lvl="1"/>
-            <a:r>
-              <a:rPr lang="en-US" dirty="0" smtClean="0"/>
-              <a:t>Use principles to quantify</a:t>
-            </a:r>
-          </a:p>
-          <a:p>
-            <a:pPr lvl="1"/>
-            <a:r>
-              <a:rPr lang="en-US" dirty="0" smtClean="0"/>
-              <a:t>Does not mean Method &lt; Good Enough</a:t>
-            </a:r>
-          </a:p>
-          <a:p>
-            <a:r>
-              <a:rPr lang="en-US" dirty="0" smtClean="0"/>
-              <a:t>Lower Bound of Quality:</a:t>
-            </a:r>
-          </a:p>
-          <a:p>
-            <a:pPr lvl="1"/>
-            <a:r>
-              <a:rPr lang="en-US" dirty="0" smtClean="0"/>
-              <a:t>Hard to quantity for unsupervised method</a:t>
-            </a:r>
-          </a:p>
-        </p:txBody>
-      </p:sp>
+      <p:pic>
+        <p:nvPicPr>
+          <p:cNvPr id="7" name="Picture 6" descr="news_isect.png"/>
+          <p:cNvPicPr>
+            <a:picLocks noChangeAspect="1"/>
+          </p:cNvPicPr>
+          <p:nvPr/>
+        </p:nvPicPr>
+        <p:blipFill>
+          <a:blip r:embed="rId3">
+            <a:extLst>
+              <a:ext uri="{28A0092B-C50C-407E-A947-70E740481C1C}">
+                <a14:useLocalDpi xmlns:a14="http://schemas.microsoft.com/office/drawing/2010/main" val="0"/>
+              </a:ext>
+            </a:extLst>
+          </a:blip>
+          <a:stretch>
+            <a:fillRect/>
+          </a:stretch>
+        </p:blipFill>
+        <p:spPr>
+          <a:xfrm>
+            <a:off x="1944898" y="1490608"/>
+            <a:ext cx="5328462" cy="4958144"/>
+          </a:xfrm>
+          <a:prstGeom prst="rect">
+            <a:avLst/>
+          </a:prstGeom>
+        </p:spPr>
+      </p:pic>
     </p:spTree>
     <p:extLst>
       <p:ext uri="{BB962C8B-B14F-4D97-AF65-F5344CB8AC3E}">
-        <p14:creationId xmlns:p14="http://schemas.microsoft.com/office/powerpoint/2010/main" val="1640638819"/>
+        <p14:creationId xmlns:p14="http://schemas.microsoft.com/office/powerpoint/2010/main" val="259822589"/>
       </p:ext>
     </p:extLst>
   </p:cSld>
@@ -12244,57 +12569,52 @@
           <a:p>
             <a:r>
               <a:rPr lang="en-US" dirty="0" smtClean="0"/>
-              <a:t>Evaluation	</a:t>
+              <a:t>Evaluation: KL-D</a:t>
             </a:r>
             <a:endParaRPr lang="en-US" dirty="0"/>
           </a:p>
         </p:txBody>
       </p:sp>
-      <p:sp>
-        <p:nvSpPr>
-          <p:cNvPr id="3" name="Content Placeholder 2"/>
-          <p:cNvSpPr>
-            <a:spLocks noGrp="1"/>
-          </p:cNvSpPr>
-          <p:nvPr>
-            <p:ph idx="1"/>
-          </p:nvPr>
-        </p:nvSpPr>
-        <p:spPr/>
-        <p:txBody>
-          <a:bodyPr/>
-          <a:lstStyle/>
-          <a:p>
-            <a:r>
-              <a:rPr lang="en-US" dirty="0" smtClean="0"/>
-              <a:t>Show plot of growth/divergence of random, chronological edge selection 4 variants, plus naïve solution</a:t>
-            </a:r>
-          </a:p>
-          <a:p>
-            <a:r>
-              <a:rPr lang="en-US" dirty="0" smtClean="0"/>
-              <a:t>Or... show whatever you have available</a:t>
-            </a:r>
-          </a:p>
-        </p:txBody>
-      </p:sp>
+      <p:pic>
+        <p:nvPicPr>
+          <p:cNvPr id="4" name="Picture 3" descr="kl.png"/>
+          <p:cNvPicPr>
+            <a:picLocks noChangeAspect="1"/>
+          </p:cNvPicPr>
+          <p:nvPr/>
+        </p:nvPicPr>
+        <p:blipFill>
+          <a:blip r:embed="rId3">
+            <a:extLst>
+              <a:ext uri="{28A0092B-C50C-407E-A947-70E740481C1C}">
+                <a14:useLocalDpi xmlns:a14="http://schemas.microsoft.com/office/drawing/2010/main" val="0"/>
+              </a:ext>
+            </a:extLst>
+          </a:blip>
+          <a:stretch>
+            <a:fillRect/>
+          </a:stretch>
+        </p:blipFill>
+        <p:spPr>
+          <a:xfrm>
+            <a:off x="496148" y="1424540"/>
+            <a:ext cx="8216204" cy="5155668"/>
+          </a:xfrm>
+          <a:prstGeom prst="rect">
+            <a:avLst/>
+          </a:prstGeom>
+        </p:spPr>
+      </p:pic>
     </p:spTree>
     <p:extLst>
       <p:ext uri="{BB962C8B-B14F-4D97-AF65-F5344CB8AC3E}">
-        <p14:creationId xmlns:p14="http://schemas.microsoft.com/office/powerpoint/2010/main" val="259822589"/>
+        <p14:creationId xmlns:p14="http://schemas.microsoft.com/office/powerpoint/2010/main" val="4043190675"/>
       </p:ext>
     </p:extLst>
   </p:cSld>
   <p:clrMapOvr>
     <a:masterClrMapping/>
   </p:clrMapOvr>
-  <p:timing>
-    <p:tnLst>
-      <p:par>
-        <p:cTn xmlns:p14="http://schemas.microsoft.com/office/powerpoint/2010/main" id="1" dur="indefinite" restart="never" nodeType="tmRoot"/>
-      </p:par>
-    </p:tnLst>
-  </p:timing>
 </p:sld>
 </file>
 
@@ -12332,7 +12652,90 @@
           <a:p>
             <a:r>
               <a:rPr lang="en-US" dirty="0" smtClean="0"/>
-              <a:t>Next Steps</a:t>
+              <a:t>Evaluation: WCSS</a:t>
+            </a:r>
+            <a:endParaRPr lang="en-US" dirty="0"/>
+          </a:p>
+        </p:txBody>
+      </p:sp>
+      <p:pic>
+        <p:nvPicPr>
+          <p:cNvPr id="4" name="Picture 3" descr="wcss.png"/>
+          <p:cNvPicPr>
+            <a:picLocks noChangeAspect="1"/>
+          </p:cNvPicPr>
+          <p:nvPr/>
+        </p:nvPicPr>
+        <p:blipFill>
+          <a:blip r:embed="rId2">
+            <a:extLst>
+              <a:ext uri="{28A0092B-C50C-407E-A947-70E740481C1C}">
+                <a14:useLocalDpi xmlns:a14="http://schemas.microsoft.com/office/drawing/2010/main" val="0"/>
+              </a:ext>
+            </a:extLst>
+          </a:blip>
+          <a:stretch>
+            <a:fillRect/>
+          </a:stretch>
+        </p:blipFill>
+        <p:spPr>
+          <a:xfrm>
+            <a:off x="621461" y="1623442"/>
+            <a:ext cx="7739902" cy="4856789"/>
+          </a:xfrm>
+          <a:prstGeom prst="rect">
+            <a:avLst/>
+          </a:prstGeom>
+        </p:spPr>
+      </p:pic>
+    </p:spTree>
+    <p:extLst>
+      <p:ext uri="{BB962C8B-B14F-4D97-AF65-F5344CB8AC3E}">
+        <p14:creationId xmlns:p14="http://schemas.microsoft.com/office/powerpoint/2010/main" val="1689468794"/>
+      </p:ext>
+    </p:extLst>
+  </p:cSld>
+  <p:clrMapOvr>
+    <a:masterClrMapping/>
+  </p:clrMapOvr>
+</p:sld>
+</file>
+
+<file path=ppt/slides/slide34.xml><?xml version="1.0" encoding="utf-8"?>
+<p:sld xmlns:a="http://schemas.openxmlformats.org/drawingml/2006/main" xmlns:r="http://schemas.openxmlformats.org/officeDocument/2006/relationships" xmlns:p="http://schemas.openxmlformats.org/presentationml/2006/main">
+  <p:cSld>
+    <p:spTree>
+      <p:nvGrpSpPr>
+        <p:cNvPr id="1" name=""/>
+        <p:cNvGrpSpPr/>
+        <p:nvPr/>
+      </p:nvGrpSpPr>
+      <p:grpSpPr>
+        <a:xfrm>
+          <a:off x="0" y="0"/>
+          <a:ext cx="0" cy="0"/>
+          <a:chOff x="0" y="0"/>
+          <a:chExt cx="0" cy="0"/>
+        </a:xfrm>
+      </p:grpSpPr>
+      <p:sp>
+        <p:nvSpPr>
+          <p:cNvPr id="2" name="Title 1"/>
+          <p:cNvSpPr>
+            <a:spLocks noGrp="1"/>
+          </p:cNvSpPr>
+          <p:nvPr>
+            <p:ph type="title"/>
+          </p:nvPr>
+        </p:nvSpPr>
+        <p:spPr/>
+        <p:txBody>
+          <a:bodyPr/>
+          <a:lstStyle/>
+          <a:p>
+            <a:r>
+              <a:rPr lang="en-US" dirty="0" smtClean="0"/>
+              <a:t>Evaluation: Take away</a:t>
             </a:r>
             <a:endParaRPr lang="en-US" dirty="0"/>
           </a:p>
@@ -12357,6 +12760,174 @@
           <a:p>
             <a:r>
               <a:rPr lang="en-US" dirty="0" smtClean="0"/>
+              <a:t>Intersection of neighbors by method </a:t>
+            </a:r>
+          </a:p>
+          <a:p>
+            <a:pPr lvl="1"/>
+            <a:r>
+              <a:rPr lang="en-US" dirty="0" smtClean="0"/>
+              <a:t>Shows methods not </a:t>
+            </a:r>
+            <a:r>
+              <a:rPr lang="en-US" i="1" dirty="0" smtClean="0"/>
+              <a:t>too</a:t>
+            </a:r>
+            <a:r>
+              <a:rPr lang="en-US" dirty="0" smtClean="0"/>
+              <a:t> different</a:t>
+            </a:r>
+          </a:p>
+          <a:p>
+            <a:pPr lvl="1"/>
+            <a:r>
+              <a:rPr lang="en-US" dirty="0" smtClean="0"/>
+              <a:t>Same documents returned</a:t>
+            </a:r>
+          </a:p>
+          <a:p>
+            <a:r>
+              <a:rPr lang="en-US" dirty="0" smtClean="0"/>
+              <a:t>KL/WCSS on neighbor content</a:t>
+            </a:r>
+          </a:p>
+          <a:p>
+            <a:pPr lvl="1"/>
+            <a:r>
+              <a:rPr lang="en-US" dirty="0" smtClean="0"/>
+              <a:t>Provides consistency check, not proof, </a:t>
+            </a:r>
+          </a:p>
+          <a:p>
+            <a:pPr lvl="1"/>
+            <a:r>
+              <a:rPr lang="en-US" dirty="0" smtClean="0"/>
+              <a:t>Criteria somewhat redundant</a:t>
+            </a:r>
+          </a:p>
+          <a:p>
+            <a:pPr lvl="1"/>
+            <a:r>
+              <a:rPr lang="en-US" dirty="0" smtClean="0"/>
+              <a:t>Shows T-</a:t>
+            </a:r>
+            <a:r>
+              <a:rPr lang="en-US" dirty="0" err="1" smtClean="0"/>
+              <a:t>Sim</a:t>
+            </a:r>
+            <a:r>
+              <a:rPr lang="en-US" dirty="0" smtClean="0"/>
+              <a:t> neighbors not very similar</a:t>
+            </a:r>
+          </a:p>
+          <a:p>
+            <a:pPr lvl="1"/>
+            <a:r>
+              <a:rPr lang="en-US" dirty="0" smtClean="0"/>
+              <a:t>D-</a:t>
+            </a:r>
+            <a:r>
+              <a:rPr lang="en-US" dirty="0" err="1" smtClean="0"/>
+              <a:t>Sim</a:t>
+            </a:r>
+            <a:r>
+              <a:rPr lang="en-US" dirty="0"/>
+              <a:t> </a:t>
+            </a:r>
+            <a:r>
+              <a:rPr lang="en-US" dirty="0" smtClean="0"/>
+              <a:t>optimizes similar statistic, cheating</a:t>
+            </a:r>
+          </a:p>
+          <a:p>
+            <a:pPr lvl="1"/>
+            <a:r>
+              <a:rPr lang="en-US" dirty="0" smtClean="0"/>
+              <a:t>T-</a:t>
+            </a:r>
+            <a:r>
+              <a:rPr lang="en-US" dirty="0" err="1" smtClean="0"/>
+              <a:t>Sim</a:t>
+            </a:r>
+            <a:r>
+              <a:rPr lang="en-US" dirty="0" smtClean="0"/>
+              <a:t> by D best compromise</a:t>
+            </a:r>
+          </a:p>
+        </p:txBody>
+      </p:sp>
+    </p:spTree>
+    <p:extLst>
+      <p:ext uri="{BB962C8B-B14F-4D97-AF65-F5344CB8AC3E}">
+        <p14:creationId xmlns:p14="http://schemas.microsoft.com/office/powerpoint/2010/main" val="79015290"/>
+      </p:ext>
+    </p:extLst>
+  </p:cSld>
+  <p:clrMapOvr>
+    <a:masterClrMapping/>
+  </p:clrMapOvr>
+</p:sld>
+</file>
+
+<file path=ppt/slides/slide35.xml><?xml version="1.0" encoding="utf-8"?>
+<p:sld xmlns:a="http://schemas.openxmlformats.org/drawingml/2006/main" xmlns:r="http://schemas.openxmlformats.org/officeDocument/2006/relationships" xmlns:p="http://schemas.openxmlformats.org/presentationml/2006/main">
+  <p:cSld>
+    <p:spTree>
+      <p:nvGrpSpPr>
+        <p:cNvPr id="1" name=""/>
+        <p:cNvGrpSpPr/>
+        <p:nvPr/>
+      </p:nvGrpSpPr>
+      <p:grpSpPr>
+        <a:xfrm>
+          <a:off x="0" y="0"/>
+          <a:ext cx="0" cy="0"/>
+          <a:chOff x="0" y="0"/>
+          <a:chExt cx="0" cy="0"/>
+        </a:xfrm>
+      </p:grpSpPr>
+      <p:sp>
+        <p:nvSpPr>
+          <p:cNvPr id="2" name="Title 1"/>
+          <p:cNvSpPr>
+            <a:spLocks noGrp="1"/>
+          </p:cNvSpPr>
+          <p:nvPr>
+            <p:ph type="title"/>
+          </p:nvPr>
+        </p:nvSpPr>
+        <p:spPr/>
+        <p:txBody>
+          <a:bodyPr/>
+          <a:lstStyle/>
+          <a:p>
+            <a:r>
+              <a:rPr lang="en-US" dirty="0" smtClean="0"/>
+              <a:t>Next Steps</a:t>
+            </a:r>
+            <a:endParaRPr lang="en-US" dirty="0"/>
+          </a:p>
+        </p:txBody>
+      </p:sp>
+      <p:sp>
+        <p:nvSpPr>
+          <p:cNvPr id="3" name="Content Placeholder 2"/>
+          <p:cNvSpPr>
+            <a:spLocks noGrp="1"/>
+          </p:cNvSpPr>
+          <p:nvPr>
+            <p:ph idx="1"/>
+          </p:nvPr>
+        </p:nvSpPr>
+        <p:spPr/>
+        <p:txBody>
+          <a:bodyPr>
+            <a:normAutofit lnSpcReduction="10000"/>
+          </a:bodyPr>
+          <a:lstStyle/>
+          <a:p>
+            <a:r>
+              <a:rPr lang="en-US" dirty="0" smtClean="0"/>
               <a:t>Further improve topic modeling quality</a:t>
             </a:r>
           </a:p>
@@ -12377,8 +12948,13 @@
             <a:pPr lvl="1"/>
             <a:r>
               <a:rPr lang="en-US" dirty="0" smtClean="0"/>
-              <a:t>Incorporate POS, Entity extraction better</a:t>
-            </a:r>
+              <a:t>Incorporate POS, Entity </a:t>
+            </a:r>
+            <a:r>
+              <a:rPr lang="en-US" dirty="0" smtClean="0"/>
+              <a:t>extraction</a:t>
+            </a:r>
+            <a:endParaRPr lang="en-US" dirty="0" smtClean="0"/>
           </a:p>
           <a:p>
             <a:r>
@@ -12390,7 +12966,15 @@
             <a:pPr lvl="1"/>
             <a:r>
               <a:rPr lang="en-US" dirty="0" smtClean="0"/>
-              <a:t>Graph queries extremely slow – consider graph DB</a:t>
+              <a:t>Graph queries </a:t>
+            </a:r>
+            <a:r>
+              <a:rPr lang="en-US" dirty="0" smtClean="0"/>
+              <a:t>slow </a:t>
+            </a:r>
+            <a:r>
+              <a:rPr lang="en-US" dirty="0" smtClean="0"/>
+              <a:t>– consider graph DB</a:t>
             </a:r>
           </a:p>
           <a:p>
@@ -12447,7 +13031,7 @@
 </p:sld>
 </file>
 
-<file path=ppt/slides/slide34.xml><?xml version="1.0" encoding="utf-8"?>
+<file path=ppt/slides/slide36.xml><?xml version="1.0" encoding="utf-8"?>
 <p:sld xmlns:a="http://schemas.openxmlformats.org/drawingml/2006/main" xmlns:r="http://schemas.openxmlformats.org/officeDocument/2006/relationships" xmlns:p="http://schemas.openxmlformats.org/presentationml/2006/main">
   <p:cSld>
     <p:spTree>
@@ -12526,7 +13110,7 @@
 </p:sld>
 </file>
 
-<file path=ppt/slides/slide35.xml><?xml version="1.0" encoding="utf-8"?>
+<file path=ppt/slides/slide37.xml><?xml version="1.0" encoding="utf-8"?>
 <p:sld xmlns:a="http://schemas.openxmlformats.org/drawingml/2006/main" xmlns:r="http://schemas.openxmlformats.org/officeDocument/2006/relationships" xmlns:p="http://schemas.openxmlformats.org/presentationml/2006/main">
   <p:cSld>
     <p:spTree>
@@ -12706,9 +13290,10 @@
               <a:t>should not be complete: |E| &lt;&lt; |V|</a:t>
             </a:r>
             <a:r>
-              <a:rPr lang="en-US" baseline="30000" dirty="0"/>
+              <a:rPr lang="en-US" baseline="30000" dirty="0" smtClean="0"/>
               <a:t>2</a:t>
             </a:r>
+            <a:endParaRPr lang="en-US" dirty="0"/>
           </a:p>
           <a:p>
             <a:r>
@@ -12800,21 +13385,41 @@
           <a:p>
             <a:r>
               <a:rPr lang="en-US" dirty="0" smtClean="0"/>
-              <a:t>Queries on G:</a:t>
+              <a:t>Possible Queries </a:t>
+            </a:r>
+            <a:r>
+              <a:rPr lang="en-US" dirty="0" smtClean="0"/>
+              <a:t>on G:</a:t>
             </a:r>
           </a:p>
           <a:p>
             <a:pPr lvl="1"/>
             <a:r>
               <a:rPr lang="en-US" dirty="0" smtClean="0"/>
-              <a:t>Identify points of confluence (merging)</a:t>
+              <a:t>Identify points of confluence </a:t>
+            </a:r>
+            <a:r>
+              <a:rPr lang="en-US" dirty="0" smtClean="0"/>
+              <a:t>(merging</a:t>
+            </a:r>
+            <a:r>
+              <a:rPr lang="en-US" dirty="0" smtClean="0"/>
+              <a:t>)</a:t>
             </a:r>
           </a:p>
           <a:p>
             <a:pPr lvl="1"/>
             <a:r>
               <a:rPr lang="en-US" dirty="0" smtClean="0"/>
-              <a:t>Identify points of diversion (splitting)</a:t>
+              <a:t>Identify points of diversion </a:t>
+            </a:r>
+            <a:r>
+              <a:rPr lang="en-US" dirty="0" smtClean="0"/>
+              <a:t>(splitting</a:t>
+            </a:r>
+            <a:r>
+              <a:rPr lang="en-US" dirty="0" smtClean="0"/>
+              <a:t>)</a:t>
             </a:r>
           </a:p>
           <a:p>
@@ -12929,8 +13534,20 @@
           <a:p>
             <a:r>
               <a:rPr lang="en-US" dirty="0" smtClean="0"/>
-              <a:t>Build up data set over time with daily process</a:t>
-            </a:r>
+              <a:t>Build up data set over time with daily </a:t>
+            </a:r>
+            <a:r>
+              <a:rPr lang="en-US" dirty="0" smtClean="0"/>
+              <a:t>process</a:t>
+            </a:r>
+          </a:p>
+          <a:p>
+            <a:pPr lvl="1"/>
+            <a:r>
+              <a:rPr lang="en-US" dirty="0" smtClean="0"/>
+              <a:t>60 days worth of data from 08-01-2012 to 09-31-2012</a:t>
+            </a:r>
+            <a:endParaRPr lang="en-US" dirty="0" smtClean="0"/>
           </a:p>
           <a:p>
             <a:r>
@@ -12939,7 +13556,11 @@
             </a:r>
             <a:r>
               <a:rPr lang="en-US" dirty="0"/>
-              <a:t>, Business, Sports</a:t>
+              <a:t>, Business, </a:t>
+            </a:r>
+            <a:r>
+              <a:rPr lang="en-US" dirty="0" smtClean="0"/>
+              <a:t>Sports</a:t>
             </a:r>
           </a:p>
         </p:txBody>
@@ -13239,7 +13860,18 @@
           <a:p>
             <a:r>
               <a:rPr lang="en-US" dirty="0" smtClean="0"/>
-              <a:t>Cosign similarity using bag of words representation</a:t>
+              <a:t>Idea:</a:t>
+            </a:r>
+          </a:p>
+          <a:p>
+            <a:pPr lvl="1"/>
+            <a:r>
+              <a:rPr lang="en-US" dirty="0" smtClean="0"/>
+              <a:t>Cosign </a:t>
+            </a:r>
+            <a:r>
+              <a:rPr lang="en-US" dirty="0" smtClean="0"/>
+              <a:t>similarity using bag of words representation</a:t>
             </a:r>
           </a:p>
           <a:p>
